--- a/03.JavaScript/JavaScript York.pptx
+++ b/03.JavaScript/JavaScript York.pptx
@@ -5,7 +5,7 @@
     <p:sldMasterId id="2147483648" r:id="rId1"/>
   </p:sldMasterIdLst>
   <p:notesMasterIdLst>
-    <p:notesMasterId r:id="rId29"/>
+    <p:notesMasterId r:id="rId31"/>
   </p:notesMasterIdLst>
   <p:sldIdLst>
     <p:sldId id="260" r:id="rId2"/>
@@ -32,9 +32,11 @@
     <p:sldId id="285" r:id="rId23"/>
     <p:sldId id="286" r:id="rId24"/>
     <p:sldId id="287" r:id="rId25"/>
-    <p:sldId id="288" r:id="rId26"/>
-    <p:sldId id="290" r:id="rId27"/>
-    <p:sldId id="289" r:id="rId28"/>
+    <p:sldId id="291" r:id="rId26"/>
+    <p:sldId id="292" r:id="rId27"/>
+    <p:sldId id="288" r:id="rId28"/>
+    <p:sldId id="290" r:id="rId29"/>
+    <p:sldId id="289" r:id="rId30"/>
   </p:sldIdLst>
   <p:sldSz cx="12192000" cy="6858000"/>
   <p:notesSz cx="6858000" cy="9144000"/>
@@ -135,7 +137,7 @@
   </p:defaultTextStyle>
   <p:extLst>
     <p:ext uri="{EFAFB233-063F-42B5-8137-9DF3F51BA10A}">
-      <p15:sldGuideLst xmlns="" xmlns:p15="http://schemas.microsoft.com/office/powerpoint/2012/main"/>
+      <p15:sldGuideLst xmlns:p15="http://schemas.microsoft.com/office/powerpoint/2012/main" xmlns=""/>
     </p:ext>
   </p:extLst>
 </p:presentation>
@@ -1070,11 +1072,7 @@
         <a:p>
           <a:r>
             <a:rPr lang="en-US" altLang="zh-CN" dirty="0" smtClean="0"/>
-            <a:t>JAVASCRIPT</a:t>
-          </a:r>
-          <a:r>
-            <a:rPr lang="zh-CN" altLang="en-US" dirty="0" smtClean="0"/>
-            <a:t>函数详解</a:t>
+            <a:t>function</a:t>
           </a:r>
           <a:endParaRPr lang="en-US" dirty="0"/>
         </a:p>
@@ -1132,8 +1130,8 @@
         <a:lstStyle/>
         <a:p>
           <a:r>
-            <a:rPr lang="zh-CN" altLang="en-US" dirty="0" smtClean="0"/>
-            <a:t>常用内置对象</a:t>
+            <a:rPr lang="en-US" altLang="zh-CN" dirty="0" smtClean="0"/>
+            <a:t>object</a:t>
           </a:r>
           <a:endParaRPr lang="en-US" dirty="0"/>
         </a:p>
@@ -1161,128 +1159,6 @@
         </a:p>
       </dgm:t>
     </dgm:pt>
-    <dgm:pt modelId="{D2974413-8FC3-AC4A-A36A-6B07CB709740}">
-      <dgm:prSet phldrT="[Text]"/>
-      <dgm:spPr>
-        <a:gradFill rotWithShape="0">
-          <a:gsLst>
-            <a:gs pos="2000">
-              <a:schemeClr val="accent1">
-                <a:lumMod val="40000"/>
-                <a:lumOff val="60000"/>
-              </a:schemeClr>
-            </a:gs>
-            <a:gs pos="100000">
-              <a:schemeClr val="accent1">
-                <a:hueOff val="0"/>
-                <a:satOff val="0"/>
-                <a:lumOff val="0"/>
-                <a:alphaOff val="0"/>
-                <a:shade val="90000"/>
-                <a:lumMod val="84000"/>
-              </a:schemeClr>
-            </a:gs>
-          </a:gsLst>
-          <a:lin ang="5400000" scaled="0"/>
-        </a:gradFill>
-      </dgm:spPr>
-      <dgm:t>
-        <a:bodyPr/>
-        <a:lstStyle/>
-        <a:p>
-          <a:r>
-            <a:rPr lang="en-US" altLang="zh-CN" dirty="0" smtClean="0"/>
-            <a:t>DOM</a:t>
-          </a:r>
-          <a:r>
-            <a:rPr lang="zh-CN" altLang="en-US" dirty="0" smtClean="0"/>
-            <a:t>操作</a:t>
-          </a:r>
-          <a:endParaRPr lang="en-US" dirty="0"/>
-        </a:p>
-      </dgm:t>
-    </dgm:pt>
-    <dgm:pt modelId="{7EA4C059-5F01-8F40-8DC8-F95247B41E94}" type="parTrans" cxnId="{44F8CBBB-B6EE-BF4F-8F56-7E529A821D86}">
-      <dgm:prSet/>
-      <dgm:spPr/>
-      <dgm:t>
-        <a:bodyPr/>
-        <a:lstStyle/>
-        <a:p>
-          <a:endParaRPr lang="en-US"/>
-        </a:p>
-      </dgm:t>
-    </dgm:pt>
-    <dgm:pt modelId="{AC3F86F7-426C-FF44-B733-FBC6BAF2B6E3}" type="sibTrans" cxnId="{44F8CBBB-B6EE-BF4F-8F56-7E529A821D86}">
-      <dgm:prSet/>
-      <dgm:spPr/>
-      <dgm:t>
-        <a:bodyPr/>
-        <a:lstStyle/>
-        <a:p>
-          <a:endParaRPr lang="en-US"/>
-        </a:p>
-      </dgm:t>
-    </dgm:pt>
-    <dgm:pt modelId="{3BC58C74-851B-F84D-BE7B-0C852CBAE385}">
-      <dgm:prSet phldrT="[Text]"/>
-      <dgm:spPr>
-        <a:gradFill rotWithShape="0">
-          <a:gsLst>
-            <a:gs pos="2000">
-              <a:schemeClr val="accent1">
-                <a:lumMod val="40000"/>
-                <a:lumOff val="60000"/>
-              </a:schemeClr>
-            </a:gs>
-            <a:gs pos="100000">
-              <a:schemeClr val="accent1">
-                <a:hueOff val="0"/>
-                <a:satOff val="0"/>
-                <a:lumOff val="0"/>
-                <a:alphaOff val="0"/>
-                <a:shade val="90000"/>
-                <a:lumMod val="84000"/>
-              </a:schemeClr>
-            </a:gs>
-          </a:gsLst>
-          <a:lin ang="5400000" scaled="0"/>
-        </a:gradFill>
-      </dgm:spPr>
-      <dgm:t>
-        <a:bodyPr/>
-        <a:lstStyle/>
-        <a:p>
-          <a:r>
-            <a:rPr lang="zh-CN" altLang="en-US" dirty="0" smtClean="0"/>
-            <a:t>事件监听</a:t>
-          </a:r>
-          <a:endParaRPr lang="en-US" dirty="0"/>
-        </a:p>
-      </dgm:t>
-    </dgm:pt>
-    <dgm:pt modelId="{E23BC65F-72A6-3745-99A2-961A3E3A3D4C}" type="parTrans" cxnId="{6DD94D0F-8D1D-0140-90FA-20D4CD82FDFD}">
-      <dgm:prSet/>
-      <dgm:spPr/>
-      <dgm:t>
-        <a:bodyPr/>
-        <a:lstStyle/>
-        <a:p>
-          <a:endParaRPr lang="en-US"/>
-        </a:p>
-      </dgm:t>
-    </dgm:pt>
-    <dgm:pt modelId="{86350B4A-E8C1-8D49-BD39-FCA023BEFE2A}" type="sibTrans" cxnId="{6DD94D0F-8D1D-0140-90FA-20D4CD82FDFD}">
-      <dgm:prSet/>
-      <dgm:spPr/>
-      <dgm:t>
-        <a:bodyPr/>
-        <a:lstStyle/>
-        <a:p>
-          <a:endParaRPr lang="en-US"/>
-        </a:p>
-      </dgm:t>
-    </dgm:pt>
     <dgm:pt modelId="{8E078C52-0CBF-7746-A780-EB9E677CAAD4}" type="pres">
       <dgm:prSet presAssocID="{AE64BDAF-443F-C04D-924D-6EF5F436F8FE}" presName="Name0" presStyleCnt="0">
         <dgm:presLayoutVars>
@@ -1300,7 +1176,7 @@
       </dgm:t>
     </dgm:pt>
     <dgm:pt modelId="{0DFABF0D-FEAE-5C4F-9EE3-A61E37B5BB26}" type="pres">
-      <dgm:prSet presAssocID="{F249D5AC-7E07-C240-9C74-BC9533BD352E}" presName="node" presStyleLbl="node1" presStyleIdx="0" presStyleCnt="6">
+      <dgm:prSet presAssocID="{F249D5AC-7E07-C240-9C74-BC9533BD352E}" presName="node" presStyleLbl="node1" presStyleIdx="0" presStyleCnt="4">
         <dgm:presLayoutVars>
           <dgm:bulletEnabled val="1"/>
         </dgm:presLayoutVars>
@@ -1319,7 +1195,7 @@
       <dgm:spPr/>
     </dgm:pt>
     <dgm:pt modelId="{89189046-6D4B-024E-BA9C-735B2E186BAB}" type="pres">
-      <dgm:prSet presAssocID="{7DFFB038-AE56-0A41-9E93-4FA95FC7AAAE}" presName="node" presStyleLbl="node1" presStyleIdx="1" presStyleCnt="6">
+      <dgm:prSet presAssocID="{7DFFB038-AE56-0A41-9E93-4FA95FC7AAAE}" presName="node" presStyleLbl="node1" presStyleIdx="1" presStyleCnt="4">
         <dgm:presLayoutVars>
           <dgm:bulletEnabled val="1"/>
         </dgm:presLayoutVars>
@@ -1338,7 +1214,7 @@
       <dgm:spPr/>
     </dgm:pt>
     <dgm:pt modelId="{56319742-D338-264B-A4A4-36D98D8D76BE}" type="pres">
-      <dgm:prSet presAssocID="{646EB715-AB22-1041-B21C-607C1E6F3D00}" presName="node" presStyleLbl="node1" presStyleIdx="2" presStyleCnt="6">
+      <dgm:prSet presAssocID="{646EB715-AB22-1041-B21C-607C1E6F3D00}" presName="node" presStyleLbl="node1" presStyleIdx="2" presStyleCnt="4">
         <dgm:presLayoutVars>
           <dgm:bulletEnabled val="1"/>
         </dgm:presLayoutVars>
@@ -1357,7 +1233,7 @@
       <dgm:spPr/>
     </dgm:pt>
     <dgm:pt modelId="{6EE4F49C-7884-1F4C-82BB-799EB7394F89}" type="pres">
-      <dgm:prSet presAssocID="{FBA4C230-09FF-5F48-8983-110C8DB63984}" presName="node" presStyleLbl="node1" presStyleIdx="3" presStyleCnt="6">
+      <dgm:prSet presAssocID="{FBA4C230-09FF-5F48-8983-110C8DB63984}" presName="node" presStyleLbl="node1" presStyleIdx="3" presStyleCnt="4" custLinFactNeighborX="1359">
         <dgm:presLayoutVars>
           <dgm:bulletEnabled val="1"/>
         </dgm:presLayoutVars>
@@ -1371,58 +1247,16 @@
         </a:p>
       </dgm:t>
     </dgm:pt>
-    <dgm:pt modelId="{193F255D-4399-C442-89D4-EAE016BCBDDA}" type="pres">
-      <dgm:prSet presAssocID="{695286FE-F07F-4248-9DD3-5EADCDD2703E}" presName="sibTrans" presStyleCnt="0"/>
-      <dgm:spPr/>
-    </dgm:pt>
-    <dgm:pt modelId="{C29909E7-C468-8348-B994-335EB87279C7}" type="pres">
-      <dgm:prSet presAssocID="{D2974413-8FC3-AC4A-A36A-6B07CB709740}" presName="node" presStyleLbl="node1" presStyleIdx="4" presStyleCnt="6">
-        <dgm:presLayoutVars>
-          <dgm:bulletEnabled val="1"/>
-        </dgm:presLayoutVars>
-      </dgm:prSet>
-      <dgm:spPr/>
-      <dgm:t>
-        <a:bodyPr/>
-        <a:lstStyle/>
-        <a:p>
-          <a:endParaRPr lang="zh-CN" altLang="en-US"/>
-        </a:p>
-      </dgm:t>
-    </dgm:pt>
-    <dgm:pt modelId="{7805A35A-A096-AD47-9BBD-9BAB8FB81E38}" type="pres">
-      <dgm:prSet presAssocID="{AC3F86F7-426C-FF44-B733-FBC6BAF2B6E3}" presName="sibTrans" presStyleCnt="0"/>
-      <dgm:spPr/>
-    </dgm:pt>
-    <dgm:pt modelId="{BC911CA0-D83E-8540-B7B8-060B17BD8C46}" type="pres">
-      <dgm:prSet presAssocID="{3BC58C74-851B-F84D-BE7B-0C852CBAE385}" presName="node" presStyleLbl="node1" presStyleIdx="5" presStyleCnt="6">
-        <dgm:presLayoutVars>
-          <dgm:bulletEnabled val="1"/>
-        </dgm:presLayoutVars>
-      </dgm:prSet>
-      <dgm:spPr/>
-      <dgm:t>
-        <a:bodyPr/>
-        <a:lstStyle/>
-        <a:p>
-          <a:endParaRPr lang="en-US"/>
-        </a:p>
-      </dgm:t>
-    </dgm:pt>
   </dgm:ptLst>
   <dgm:cxnLst>
-    <dgm:cxn modelId="{ACF88F5A-8632-9B46-B2EC-D47340F270EE}" type="presOf" srcId="{3BC58C74-851B-F84D-BE7B-0C852CBAE385}" destId="{BC911CA0-D83E-8540-B7B8-060B17BD8C46}" srcOrd="0" destOrd="0" presId="urn:microsoft.com/office/officeart/2005/8/layout/hList6"/>
+    <dgm:cxn modelId="{540418E0-F541-1A4B-9288-D3A72891A202}" srcId="{AE64BDAF-443F-C04D-924D-6EF5F436F8FE}" destId="{646EB715-AB22-1041-B21C-607C1E6F3D00}" srcOrd="2" destOrd="0" parTransId="{AC41FF1C-61F8-F549-846D-7BBCD6A9CE41}" sibTransId="{81E619B5-EA7B-284B-91C9-2A6052A5E79E}"/>
     <dgm:cxn modelId="{481778E7-8946-4743-8BD5-9D1FD57EFD3A}" srcId="{AE64BDAF-443F-C04D-924D-6EF5F436F8FE}" destId="{F249D5AC-7E07-C240-9C74-BC9533BD352E}" srcOrd="0" destOrd="0" parTransId="{42A959D5-09E0-D944-B64A-64C9365C175C}" sibTransId="{269FA097-727B-E643-8CBC-26C76C93DCF7}"/>
+    <dgm:cxn modelId="{F31095D8-FDB6-9341-8F7A-792B94A7F1B1}" type="presOf" srcId="{F249D5AC-7E07-C240-9C74-BC9533BD352E}" destId="{0DFABF0D-FEAE-5C4F-9EE3-A61E37B5BB26}" srcOrd="0" destOrd="0" presId="urn:microsoft.com/office/officeart/2005/8/layout/hList6"/>
+    <dgm:cxn modelId="{97EFEE68-E96E-AC4E-AE28-06D375174009}" type="presOf" srcId="{AE64BDAF-443F-C04D-924D-6EF5F436F8FE}" destId="{8E078C52-0CBF-7746-A780-EB9E677CAAD4}" srcOrd="0" destOrd="0" presId="urn:microsoft.com/office/officeart/2005/8/layout/hList6"/>
+    <dgm:cxn modelId="{D2181CF9-2D98-FD4E-A487-A0EE725B9B01}" srcId="{AE64BDAF-443F-C04D-924D-6EF5F436F8FE}" destId="{7DFFB038-AE56-0A41-9E93-4FA95FC7AAAE}" srcOrd="1" destOrd="0" parTransId="{AE5E5B91-F83D-F742-86ED-3E15D88442B9}" sibTransId="{629C10B0-0746-FC40-9FAC-722CFB0E931C}"/>
     <dgm:cxn modelId="{D5281099-E42F-B143-AAA3-EBF01A008EB0}" type="presOf" srcId="{FBA4C230-09FF-5F48-8983-110C8DB63984}" destId="{6EE4F49C-7884-1F4C-82BB-799EB7394F89}" srcOrd="0" destOrd="0" presId="urn:microsoft.com/office/officeart/2005/8/layout/hList6"/>
-    <dgm:cxn modelId="{D2181CF9-2D98-FD4E-A487-A0EE725B9B01}" srcId="{AE64BDAF-443F-C04D-924D-6EF5F436F8FE}" destId="{7DFFB038-AE56-0A41-9E93-4FA95FC7AAAE}" srcOrd="1" destOrd="0" parTransId="{AE5E5B91-F83D-F742-86ED-3E15D88442B9}" sibTransId="{629C10B0-0746-FC40-9FAC-722CFB0E931C}"/>
-    <dgm:cxn modelId="{97EFEE68-E96E-AC4E-AE28-06D375174009}" type="presOf" srcId="{AE64BDAF-443F-C04D-924D-6EF5F436F8FE}" destId="{8E078C52-0CBF-7746-A780-EB9E677CAAD4}" srcOrd="0" destOrd="0" presId="urn:microsoft.com/office/officeart/2005/8/layout/hList6"/>
-    <dgm:cxn modelId="{F31095D8-FDB6-9341-8F7A-792B94A7F1B1}" type="presOf" srcId="{F249D5AC-7E07-C240-9C74-BC9533BD352E}" destId="{0DFABF0D-FEAE-5C4F-9EE3-A61E37B5BB26}" srcOrd="0" destOrd="0" presId="urn:microsoft.com/office/officeart/2005/8/layout/hList6"/>
-    <dgm:cxn modelId="{44F8CBBB-B6EE-BF4F-8F56-7E529A821D86}" srcId="{AE64BDAF-443F-C04D-924D-6EF5F436F8FE}" destId="{D2974413-8FC3-AC4A-A36A-6B07CB709740}" srcOrd="4" destOrd="0" parTransId="{7EA4C059-5F01-8F40-8DC8-F95247B41E94}" sibTransId="{AC3F86F7-426C-FF44-B733-FBC6BAF2B6E3}"/>
     <dgm:cxn modelId="{0B1D7501-7FD5-5A41-8C58-99DD93524BE9}" type="presOf" srcId="{646EB715-AB22-1041-B21C-607C1E6F3D00}" destId="{56319742-D338-264B-A4A4-36D98D8D76BE}" srcOrd="0" destOrd="0" presId="urn:microsoft.com/office/officeart/2005/8/layout/hList6"/>
     <dgm:cxn modelId="{6C2B47B2-108C-D74A-B5BD-E50382CFD3DC}" srcId="{AE64BDAF-443F-C04D-924D-6EF5F436F8FE}" destId="{FBA4C230-09FF-5F48-8983-110C8DB63984}" srcOrd="3" destOrd="0" parTransId="{8D9D07F5-9F40-A544-9674-1AFB8D332113}" sibTransId="{695286FE-F07F-4248-9DD3-5EADCDD2703E}"/>
-    <dgm:cxn modelId="{CCC66F2E-141D-4D42-A94C-6798D95FB7B7}" type="presOf" srcId="{D2974413-8FC3-AC4A-A36A-6B07CB709740}" destId="{C29909E7-C468-8348-B994-335EB87279C7}" srcOrd="0" destOrd="0" presId="urn:microsoft.com/office/officeart/2005/8/layout/hList6"/>
-    <dgm:cxn modelId="{540418E0-F541-1A4B-9288-D3A72891A202}" srcId="{AE64BDAF-443F-C04D-924D-6EF5F436F8FE}" destId="{646EB715-AB22-1041-B21C-607C1E6F3D00}" srcOrd="2" destOrd="0" parTransId="{AC41FF1C-61F8-F549-846D-7BBCD6A9CE41}" sibTransId="{81E619B5-EA7B-284B-91C9-2A6052A5E79E}"/>
-    <dgm:cxn modelId="{6DD94D0F-8D1D-0140-90FA-20D4CD82FDFD}" srcId="{AE64BDAF-443F-C04D-924D-6EF5F436F8FE}" destId="{3BC58C74-851B-F84D-BE7B-0C852CBAE385}" srcOrd="5" destOrd="0" parTransId="{E23BC65F-72A6-3745-99A2-961A3E3A3D4C}" sibTransId="{86350B4A-E8C1-8D49-BD39-FCA023BEFE2A}"/>
     <dgm:cxn modelId="{C4F0F418-FF7F-BC4A-BF8C-BCD068224B62}" type="presOf" srcId="{7DFFB038-AE56-0A41-9E93-4FA95FC7AAAE}" destId="{89189046-6D4B-024E-BA9C-735B2E186BAB}" srcOrd="0" destOrd="0" presId="urn:microsoft.com/office/officeart/2005/8/layout/hList6"/>
     <dgm:cxn modelId="{B187E610-B473-034A-BA72-86318B693CDE}" type="presParOf" srcId="{8E078C52-0CBF-7746-A780-EB9E677CAAD4}" destId="{0DFABF0D-FEAE-5C4F-9EE3-A61E37B5BB26}" srcOrd="0" destOrd="0" presId="urn:microsoft.com/office/officeart/2005/8/layout/hList6"/>
     <dgm:cxn modelId="{E2F10741-042D-D64F-B63A-F9FF867D57F1}" type="presParOf" srcId="{8E078C52-0CBF-7746-A780-EB9E677CAAD4}" destId="{2E338CFA-D799-5E4C-BDA4-2CE1AA17976C}" srcOrd="1" destOrd="0" presId="urn:microsoft.com/office/officeart/2005/8/layout/hList6"/>
@@ -1431,10 +1265,6 @@
     <dgm:cxn modelId="{5272622C-08F6-5C45-BE6A-2065F4801E39}" type="presParOf" srcId="{8E078C52-0CBF-7746-A780-EB9E677CAAD4}" destId="{56319742-D338-264B-A4A4-36D98D8D76BE}" srcOrd="4" destOrd="0" presId="urn:microsoft.com/office/officeart/2005/8/layout/hList6"/>
     <dgm:cxn modelId="{80C83CD1-27C5-3740-B560-ADAF21C44B0E}" type="presParOf" srcId="{8E078C52-0CBF-7746-A780-EB9E677CAAD4}" destId="{FEAC3C7C-1A80-C545-AE4B-0416C75FAFAC}" srcOrd="5" destOrd="0" presId="urn:microsoft.com/office/officeart/2005/8/layout/hList6"/>
     <dgm:cxn modelId="{9CCDA7EF-9DFD-4A43-8568-09BDB58FBFDB}" type="presParOf" srcId="{8E078C52-0CBF-7746-A780-EB9E677CAAD4}" destId="{6EE4F49C-7884-1F4C-82BB-799EB7394F89}" srcOrd="6" destOrd="0" presId="urn:microsoft.com/office/officeart/2005/8/layout/hList6"/>
-    <dgm:cxn modelId="{0BEB1A12-3E29-6043-832E-7BA4C8A63B8E}" type="presParOf" srcId="{8E078C52-0CBF-7746-A780-EB9E677CAAD4}" destId="{193F255D-4399-C442-89D4-EAE016BCBDDA}" srcOrd="7" destOrd="0" presId="urn:microsoft.com/office/officeart/2005/8/layout/hList6"/>
-    <dgm:cxn modelId="{A69B514B-88EE-7C40-BDDB-84693266885B}" type="presParOf" srcId="{8E078C52-0CBF-7746-A780-EB9E677CAAD4}" destId="{C29909E7-C468-8348-B994-335EB87279C7}" srcOrd="8" destOrd="0" presId="urn:microsoft.com/office/officeart/2005/8/layout/hList6"/>
-    <dgm:cxn modelId="{FE852678-B6AC-FC45-8AF9-4A07DEB14756}" type="presParOf" srcId="{8E078C52-0CBF-7746-A780-EB9E677CAAD4}" destId="{7805A35A-A096-AD47-9BBD-9BAB8FB81E38}" srcOrd="9" destOrd="0" presId="urn:microsoft.com/office/officeart/2005/8/layout/hList6"/>
-    <dgm:cxn modelId="{6C769569-D3D8-6443-80AF-B5260E934CD7}" type="presParOf" srcId="{8E078C52-0CBF-7746-A780-EB9E677CAAD4}" destId="{BC911CA0-D83E-8540-B7B8-060B17BD8C46}" srcOrd="10" destOrd="0" presId="urn:microsoft.com/office/officeart/2005/8/layout/hList6"/>
   </dgm:cxnLst>
   <dgm:bg>
     <a:noFill/>
@@ -1446,7 +1276,7 @@
   </dgm:whole>
   <dgm:extLst>
     <a:ext uri="http://schemas.microsoft.com/office/drawing/2008/diagram">
-      <dsp:dataModelExt xmlns="" xmlns:dsp="http://schemas.microsoft.com/office/drawing/2008/diagram" relId="rId7" minVer="http://schemas.openxmlformats.org/drawingml/2006/diagram"/>
+      <dsp:dataModelExt xmlns:dsp="http://schemas.microsoft.com/office/drawing/2008/diagram" xmlns="" relId="rId7" minVer="http://schemas.openxmlformats.org/drawingml/2006/diagram"/>
     </a:ext>
   </dgm:extLst>
 </dgm:dataModel>
@@ -3297,7 +3127,7 @@
             <a:fld id="{E2D8D627-E559-1D4B-8176-9402CD03DC11}" type="datetimeFigureOut">
               <a:rPr lang="en-US" smtClean="0"/>
               <a:pPr/>
-              <a:t>5/22/2016</a:t>
+              <a:t>5/26/2016</a:t>
             </a:fld>
             <a:endParaRPr lang="en-US"/>
           </a:p>
@@ -3466,7 +3296,7 @@
     </p:spTree>
     <p:extLst>
       <p:ext uri="{BB962C8B-B14F-4D97-AF65-F5344CB8AC3E}">
-        <p14:creationId xmlns="" xmlns:p14="http://schemas.microsoft.com/office/powerpoint/2010/main" val="244182957"/>
+        <p14:creationId xmlns:p14="http://schemas.microsoft.com/office/powerpoint/2010/main" xmlns="" val="244182957"/>
       </p:ext>
     </p:extLst>
   </p:cSld>
@@ -3641,7 +3471,7 @@
     </p:spTree>
     <p:extLst>
       <p:ext uri="{BB962C8B-B14F-4D97-AF65-F5344CB8AC3E}">
-        <p14:creationId xmlns="" xmlns:p14="http://schemas.microsoft.com/office/powerpoint/2010/main" val="2081566784"/>
+        <p14:creationId xmlns:p14="http://schemas.microsoft.com/office/powerpoint/2010/main" xmlns="" val="2081566784"/>
       </p:ext>
     </p:extLst>
   </p:cSld>
@@ -3726,7 +3556,7 @@
     </p:spTree>
     <p:extLst>
       <p:ext uri="{BB962C8B-B14F-4D97-AF65-F5344CB8AC3E}">
-        <p14:creationId xmlns="" xmlns:p14="http://schemas.microsoft.com/office/powerpoint/2010/main" val="275206236"/>
+        <p14:creationId xmlns:p14="http://schemas.microsoft.com/office/powerpoint/2010/main" xmlns="" val="275206236"/>
       </p:ext>
     </p:extLst>
   </p:cSld>
@@ -3811,7 +3641,7 @@
     </p:spTree>
     <p:extLst>
       <p:ext uri="{BB962C8B-B14F-4D97-AF65-F5344CB8AC3E}">
-        <p14:creationId xmlns="" xmlns:p14="http://schemas.microsoft.com/office/powerpoint/2010/main" val="275206236"/>
+        <p14:creationId xmlns:p14="http://schemas.microsoft.com/office/powerpoint/2010/main" xmlns="" val="275206236"/>
       </p:ext>
     </p:extLst>
   </p:cSld>
@@ -3896,7 +3726,7 @@
     </p:spTree>
     <p:extLst>
       <p:ext uri="{BB962C8B-B14F-4D97-AF65-F5344CB8AC3E}">
-        <p14:creationId xmlns="" xmlns:p14="http://schemas.microsoft.com/office/powerpoint/2010/main" val="275206236"/>
+        <p14:creationId xmlns:p14="http://schemas.microsoft.com/office/powerpoint/2010/main" xmlns="" val="275206236"/>
       </p:ext>
     </p:extLst>
   </p:cSld>
@@ -3981,7 +3811,7 @@
     </p:spTree>
     <p:extLst>
       <p:ext uri="{BB962C8B-B14F-4D97-AF65-F5344CB8AC3E}">
-        <p14:creationId xmlns="" xmlns:p14="http://schemas.microsoft.com/office/powerpoint/2010/main" val="275206236"/>
+        <p14:creationId xmlns:p14="http://schemas.microsoft.com/office/powerpoint/2010/main" xmlns="" val="275206236"/>
       </p:ext>
     </p:extLst>
   </p:cSld>
@@ -4066,7 +3896,7 @@
     </p:spTree>
     <p:extLst>
       <p:ext uri="{BB962C8B-B14F-4D97-AF65-F5344CB8AC3E}">
-        <p14:creationId xmlns="" xmlns:p14="http://schemas.microsoft.com/office/powerpoint/2010/main" val="275206236"/>
+        <p14:creationId xmlns:p14="http://schemas.microsoft.com/office/powerpoint/2010/main" xmlns="" val="275206236"/>
       </p:ext>
     </p:extLst>
   </p:cSld>
@@ -4151,7 +3981,7 @@
     </p:spTree>
     <p:extLst>
       <p:ext uri="{BB962C8B-B14F-4D97-AF65-F5344CB8AC3E}">
-        <p14:creationId xmlns="" xmlns:p14="http://schemas.microsoft.com/office/powerpoint/2010/main" val="275206236"/>
+        <p14:creationId xmlns:p14="http://schemas.microsoft.com/office/powerpoint/2010/main" xmlns="" val="275206236"/>
       </p:ext>
     </p:extLst>
   </p:cSld>
@@ -4236,7 +4066,7 @@
     </p:spTree>
     <p:extLst>
       <p:ext uri="{BB962C8B-B14F-4D97-AF65-F5344CB8AC3E}">
-        <p14:creationId xmlns="" xmlns:p14="http://schemas.microsoft.com/office/powerpoint/2010/main" val="275206236"/>
+        <p14:creationId xmlns:p14="http://schemas.microsoft.com/office/powerpoint/2010/main" xmlns="" val="275206236"/>
       </p:ext>
     </p:extLst>
   </p:cSld>
@@ -4321,7 +4151,7 @@
     </p:spTree>
     <p:extLst>
       <p:ext uri="{BB962C8B-B14F-4D97-AF65-F5344CB8AC3E}">
-        <p14:creationId xmlns="" xmlns:p14="http://schemas.microsoft.com/office/powerpoint/2010/main" val="275206236"/>
+        <p14:creationId xmlns:p14="http://schemas.microsoft.com/office/powerpoint/2010/main" xmlns="" val="275206236"/>
       </p:ext>
     </p:extLst>
   </p:cSld>
@@ -4406,7 +4236,7 @@
     </p:spTree>
     <p:extLst>
       <p:ext uri="{BB962C8B-B14F-4D97-AF65-F5344CB8AC3E}">
-        <p14:creationId xmlns="" xmlns:p14="http://schemas.microsoft.com/office/powerpoint/2010/main" val="275206236"/>
+        <p14:creationId xmlns:p14="http://schemas.microsoft.com/office/powerpoint/2010/main" xmlns="" val="275206236"/>
       </p:ext>
     </p:extLst>
   </p:cSld>
@@ -4460,6 +4290,10 @@
           <a:bodyPr/>
           <a:lstStyle/>
           <a:p>
+            <a:r>
+              <a:rPr lang="en-US" altLang="zh-CN" dirty="0" smtClean="0"/>
+              <a:t>Demo “2.for”</a:t>
+            </a:r>
             <a:endParaRPr lang="en-US" dirty="0"/>
           </a:p>
         </p:txBody>
@@ -4491,7 +4325,7 @@
     </p:spTree>
     <p:extLst>
       <p:ext uri="{BB962C8B-B14F-4D97-AF65-F5344CB8AC3E}">
-        <p14:creationId xmlns="" xmlns:p14="http://schemas.microsoft.com/office/powerpoint/2010/main" val="275206236"/>
+        <p14:creationId xmlns:p14="http://schemas.microsoft.com/office/powerpoint/2010/main" xmlns="" val="275206236"/>
       </p:ext>
     </p:extLst>
   </p:cSld>
@@ -4576,7 +4410,7 @@
     </p:spTree>
     <p:extLst>
       <p:ext uri="{BB962C8B-B14F-4D97-AF65-F5344CB8AC3E}">
-        <p14:creationId xmlns="" xmlns:p14="http://schemas.microsoft.com/office/powerpoint/2010/main" val="1873967813"/>
+        <p14:creationId xmlns:p14="http://schemas.microsoft.com/office/powerpoint/2010/main" xmlns="" val="1873967813"/>
       </p:ext>
     </p:extLst>
   </p:cSld>
@@ -4661,7 +4495,7 @@
     </p:spTree>
     <p:extLst>
       <p:ext uri="{BB962C8B-B14F-4D97-AF65-F5344CB8AC3E}">
-        <p14:creationId xmlns="" xmlns:p14="http://schemas.microsoft.com/office/powerpoint/2010/main" val="275206236"/>
+        <p14:creationId xmlns:p14="http://schemas.microsoft.com/office/powerpoint/2010/main" xmlns="" val="275206236"/>
       </p:ext>
     </p:extLst>
   </p:cSld>
@@ -4715,6 +4549,10 @@
           <a:bodyPr/>
           <a:lstStyle/>
           <a:p>
+            <a:r>
+              <a:rPr lang="en-US" dirty="0" smtClean="0"/>
+              <a:t>1.</a:t>
+            </a:r>
             <a:endParaRPr lang="en-US" dirty="0"/>
           </a:p>
         </p:txBody>
@@ -4746,7 +4584,7 @@
     </p:spTree>
     <p:extLst>
       <p:ext uri="{BB962C8B-B14F-4D97-AF65-F5344CB8AC3E}">
-        <p14:creationId xmlns="" xmlns:p14="http://schemas.microsoft.com/office/powerpoint/2010/main" val="275206236"/>
+        <p14:creationId xmlns:p14="http://schemas.microsoft.com/office/powerpoint/2010/main" xmlns="" val="275206236"/>
       </p:ext>
     </p:extLst>
   </p:cSld>
@@ -4831,7 +4669,7 @@
     </p:spTree>
     <p:extLst>
       <p:ext uri="{BB962C8B-B14F-4D97-AF65-F5344CB8AC3E}">
-        <p14:creationId xmlns="" xmlns:p14="http://schemas.microsoft.com/office/powerpoint/2010/main" val="275206236"/>
+        <p14:creationId xmlns:p14="http://schemas.microsoft.com/office/powerpoint/2010/main" xmlns="" val="275206236"/>
       </p:ext>
     </p:extLst>
   </p:cSld>
@@ -4916,7 +4754,7 @@
     </p:spTree>
     <p:extLst>
       <p:ext uri="{BB962C8B-B14F-4D97-AF65-F5344CB8AC3E}">
-        <p14:creationId xmlns="" xmlns:p14="http://schemas.microsoft.com/office/powerpoint/2010/main" val="275206236"/>
+        <p14:creationId xmlns:p14="http://schemas.microsoft.com/office/powerpoint/2010/main" xmlns="" val="275206236"/>
       </p:ext>
     </p:extLst>
   </p:cSld>
@@ -5001,7 +4839,7 @@
     </p:spTree>
     <p:extLst>
       <p:ext uri="{BB962C8B-B14F-4D97-AF65-F5344CB8AC3E}">
-        <p14:creationId xmlns="" xmlns:p14="http://schemas.microsoft.com/office/powerpoint/2010/main" val="275206236"/>
+        <p14:creationId xmlns:p14="http://schemas.microsoft.com/office/powerpoint/2010/main" xmlns="" val="275206236"/>
       </p:ext>
     </p:extLst>
   </p:cSld>
@@ -5086,7 +4924,7 @@
     </p:spTree>
     <p:extLst>
       <p:ext uri="{BB962C8B-B14F-4D97-AF65-F5344CB8AC3E}">
-        <p14:creationId xmlns="" xmlns:p14="http://schemas.microsoft.com/office/powerpoint/2010/main" val="275206236"/>
+        <p14:creationId xmlns:p14="http://schemas.microsoft.com/office/powerpoint/2010/main" xmlns="" val="275206236"/>
       </p:ext>
     </p:extLst>
   </p:cSld>
@@ -5140,6 +4978,16 @@
           <a:bodyPr/>
           <a:lstStyle/>
           <a:p>
+            <a:r>
+              <a:rPr lang="en-US" dirty="0" smtClean="0"/>
+              <a:t>http://www.coolmath-games.com/0-tower-of-hanoi</a:t>
+            </a:r>
+          </a:p>
+          <a:p>
+            <a:r>
+              <a:rPr lang="en-US" dirty="0" smtClean="0"/>
+              <a:t>http://www.novelgames.com/en/tower/</a:t>
+            </a:r>
             <a:endParaRPr lang="en-US" dirty="0"/>
           </a:p>
         </p:txBody>
@@ -5171,7 +5019,7 @@
     </p:spTree>
     <p:extLst>
       <p:ext uri="{BB962C8B-B14F-4D97-AF65-F5344CB8AC3E}">
-        <p14:creationId xmlns="" xmlns:p14="http://schemas.microsoft.com/office/powerpoint/2010/main" val="275206236"/>
+        <p14:creationId xmlns:p14="http://schemas.microsoft.com/office/powerpoint/2010/main" xmlns="" val="275206236"/>
       </p:ext>
     </p:extLst>
   </p:cSld>
@@ -5256,7 +5104,177 @@
     </p:spTree>
     <p:extLst>
       <p:ext uri="{BB962C8B-B14F-4D97-AF65-F5344CB8AC3E}">
-        <p14:creationId xmlns="" xmlns:p14="http://schemas.microsoft.com/office/powerpoint/2010/main" val="275206236"/>
+        <p14:creationId xmlns:p14="http://schemas.microsoft.com/office/powerpoint/2010/main" xmlns="" val="275206236"/>
+      </p:ext>
+    </p:extLst>
+  </p:cSld>
+  <p:clrMapOvr>
+    <a:masterClrMapping/>
+  </p:clrMapOvr>
+</p:notes>
+</file>
+
+<file path=ppt/notesSlides/notesSlide28.xml><?xml version="1.0" encoding="utf-8"?>
+<p:notes xmlns:a="http://schemas.openxmlformats.org/drawingml/2006/main" xmlns:r="http://schemas.openxmlformats.org/officeDocument/2006/relationships" xmlns:p="http://schemas.openxmlformats.org/presentationml/2006/main">
+  <p:cSld>
+    <p:spTree>
+      <p:nvGrpSpPr>
+        <p:cNvPr id="1" name=""/>
+        <p:cNvGrpSpPr/>
+        <p:nvPr/>
+      </p:nvGrpSpPr>
+      <p:grpSpPr>
+        <a:xfrm>
+          <a:off x="0" y="0"/>
+          <a:ext cx="0" cy="0"/>
+          <a:chOff x="0" y="0"/>
+          <a:chExt cx="0" cy="0"/>
+        </a:xfrm>
+      </p:grpSpPr>
+      <p:sp>
+        <p:nvSpPr>
+          <p:cNvPr id="2" name="Slide Image Placeholder 1"/>
+          <p:cNvSpPr>
+            <a:spLocks noGrp="1" noRot="1" noChangeAspect="1"/>
+          </p:cNvSpPr>
+          <p:nvPr>
+            <p:ph type="sldImg"/>
+          </p:nvPr>
+        </p:nvSpPr>
+        <p:spPr/>
+      </p:sp>
+      <p:sp>
+        <p:nvSpPr>
+          <p:cNvPr id="3" name="Notes Placeholder 2"/>
+          <p:cNvSpPr>
+            <a:spLocks noGrp="1"/>
+          </p:cNvSpPr>
+          <p:nvPr>
+            <p:ph type="body" idx="1"/>
+          </p:nvPr>
+        </p:nvSpPr>
+        <p:spPr/>
+        <p:txBody>
+          <a:bodyPr/>
+          <a:lstStyle/>
+          <a:p>
+            <a:endParaRPr lang="en-US" dirty="0"/>
+          </a:p>
+        </p:txBody>
+      </p:sp>
+      <p:sp>
+        <p:nvSpPr>
+          <p:cNvPr id="4" name="Slide Number Placeholder 3"/>
+          <p:cNvSpPr>
+            <a:spLocks noGrp="1"/>
+          </p:cNvSpPr>
+          <p:nvPr>
+            <p:ph type="sldNum" sz="quarter" idx="10"/>
+          </p:nvPr>
+        </p:nvSpPr>
+        <p:spPr/>
+        <p:txBody>
+          <a:bodyPr/>
+          <a:lstStyle/>
+          <a:p>
+            <a:fld id="{8ABC5F5D-F15C-8846-AC21-6CDE416EB847}" type="slidenum">
+              <a:rPr lang="en-US" smtClean="0"/>
+              <a:pPr/>
+              <a:t>28</a:t>
+            </a:fld>
+            <a:endParaRPr lang="en-US"/>
+          </a:p>
+        </p:txBody>
+      </p:sp>
+    </p:spTree>
+    <p:extLst>
+      <p:ext uri="{BB962C8B-B14F-4D97-AF65-F5344CB8AC3E}">
+        <p14:creationId xmlns:p14="http://schemas.microsoft.com/office/powerpoint/2010/main" xmlns="" val="275206236"/>
+      </p:ext>
+    </p:extLst>
+  </p:cSld>
+  <p:clrMapOvr>
+    <a:masterClrMapping/>
+  </p:clrMapOvr>
+</p:notes>
+</file>
+
+<file path=ppt/notesSlides/notesSlide29.xml><?xml version="1.0" encoding="utf-8"?>
+<p:notes xmlns:a="http://schemas.openxmlformats.org/drawingml/2006/main" xmlns:r="http://schemas.openxmlformats.org/officeDocument/2006/relationships" xmlns:p="http://schemas.openxmlformats.org/presentationml/2006/main">
+  <p:cSld>
+    <p:spTree>
+      <p:nvGrpSpPr>
+        <p:cNvPr id="1" name=""/>
+        <p:cNvGrpSpPr/>
+        <p:nvPr/>
+      </p:nvGrpSpPr>
+      <p:grpSpPr>
+        <a:xfrm>
+          <a:off x="0" y="0"/>
+          <a:ext cx="0" cy="0"/>
+          <a:chOff x="0" y="0"/>
+          <a:chExt cx="0" cy="0"/>
+        </a:xfrm>
+      </p:grpSpPr>
+      <p:sp>
+        <p:nvSpPr>
+          <p:cNvPr id="2" name="Slide Image Placeholder 1"/>
+          <p:cNvSpPr>
+            <a:spLocks noGrp="1" noRot="1" noChangeAspect="1"/>
+          </p:cNvSpPr>
+          <p:nvPr>
+            <p:ph type="sldImg"/>
+          </p:nvPr>
+        </p:nvSpPr>
+        <p:spPr/>
+      </p:sp>
+      <p:sp>
+        <p:nvSpPr>
+          <p:cNvPr id="3" name="Notes Placeholder 2"/>
+          <p:cNvSpPr>
+            <a:spLocks noGrp="1"/>
+          </p:cNvSpPr>
+          <p:nvPr>
+            <p:ph type="body" idx="1"/>
+          </p:nvPr>
+        </p:nvSpPr>
+        <p:spPr/>
+        <p:txBody>
+          <a:bodyPr/>
+          <a:lstStyle/>
+          <a:p>
+            <a:endParaRPr lang="en-US" dirty="0"/>
+          </a:p>
+        </p:txBody>
+      </p:sp>
+      <p:sp>
+        <p:nvSpPr>
+          <p:cNvPr id="4" name="Slide Number Placeholder 3"/>
+          <p:cNvSpPr>
+            <a:spLocks noGrp="1"/>
+          </p:cNvSpPr>
+          <p:nvPr>
+            <p:ph type="sldNum" sz="quarter" idx="10"/>
+          </p:nvPr>
+        </p:nvSpPr>
+        <p:spPr/>
+        <p:txBody>
+          <a:bodyPr/>
+          <a:lstStyle/>
+          <a:p>
+            <a:fld id="{8ABC5F5D-F15C-8846-AC21-6CDE416EB847}" type="slidenum">
+              <a:rPr lang="en-US" smtClean="0"/>
+              <a:pPr/>
+              <a:t>29</a:t>
+            </a:fld>
+            <a:endParaRPr lang="en-US"/>
+          </a:p>
+        </p:txBody>
+      </p:sp>
+    </p:spTree>
+    <p:extLst>
+      <p:ext uri="{BB962C8B-B14F-4D97-AF65-F5344CB8AC3E}">
+        <p14:creationId xmlns:p14="http://schemas.microsoft.com/office/powerpoint/2010/main" xmlns="" val="275206236"/>
       </p:ext>
     </p:extLst>
   </p:cSld>
@@ -5341,7 +5359,7 @@
     </p:spTree>
     <p:extLst>
       <p:ext uri="{BB962C8B-B14F-4D97-AF65-F5344CB8AC3E}">
-        <p14:creationId xmlns="" xmlns:p14="http://schemas.microsoft.com/office/powerpoint/2010/main" val="4042796661"/>
+        <p14:creationId xmlns:p14="http://schemas.microsoft.com/office/powerpoint/2010/main" xmlns="" val="4042796661"/>
       </p:ext>
     </p:extLst>
   </p:cSld>
@@ -5426,7 +5444,7 @@
     </p:spTree>
     <p:extLst>
       <p:ext uri="{BB962C8B-B14F-4D97-AF65-F5344CB8AC3E}">
-        <p14:creationId xmlns="" xmlns:p14="http://schemas.microsoft.com/office/powerpoint/2010/main" val="662694539"/>
+        <p14:creationId xmlns:p14="http://schemas.microsoft.com/office/powerpoint/2010/main" xmlns="" val="662694539"/>
       </p:ext>
     </p:extLst>
   </p:cSld>
@@ -5480,25 +5498,6 @@
           <a:bodyPr/>
           <a:lstStyle/>
           <a:p>
-            <a:r>
-              <a:rPr lang="en-US" dirty="0" smtClean="0"/>
-              <a:t>http://wenku.baidu.com/link?url=VNKi8DeSbhJ_BgU0T5SEpvilHFzuetTNkHlBlXT35r0ymJNm0pkNKLDFo31_KEFtU1jiOE36AUg83n6Cj43cKC6HRyKlqvNyQSc-wkFF0QC</a:t>
-            </a:r>
-          </a:p>
-          <a:p>
-            <a:endParaRPr lang="en-US" dirty="0" smtClean="0"/>
-          </a:p>
-          <a:p>
-            <a:endParaRPr lang="en-US" dirty="0" smtClean="0"/>
-          </a:p>
-          <a:p>
-            <a:endParaRPr lang="en-US" dirty="0" smtClean="0"/>
-          </a:p>
-          <a:p>
-            <a:r>
-              <a:rPr lang="en-US" dirty="0" smtClean="0"/>
-              <a:t>http://wenku.baidu.com/link?url=AbMuJyDRmUqzWO9MtRw-vol7mtYgS-EpdSPB-nTdYgY1wq6nDFFFthEQI-iqI9UegyvvfbLJYzeoOiJc330RkjM88S4cxU5CeUn577DoQEq</a:t>
-            </a:r>
             <a:endParaRPr lang="en-US" dirty="0"/>
           </a:p>
         </p:txBody>
@@ -5530,7 +5529,7 @@
     </p:spTree>
     <p:extLst>
       <p:ext uri="{BB962C8B-B14F-4D97-AF65-F5344CB8AC3E}">
-        <p14:creationId xmlns="" xmlns:p14="http://schemas.microsoft.com/office/powerpoint/2010/main" val="1024815132"/>
+        <p14:creationId xmlns:p14="http://schemas.microsoft.com/office/powerpoint/2010/main" xmlns="" val="1024815132"/>
       </p:ext>
     </p:extLst>
   </p:cSld>
@@ -5615,7 +5614,7 @@
     </p:spTree>
     <p:extLst>
       <p:ext uri="{BB962C8B-B14F-4D97-AF65-F5344CB8AC3E}">
-        <p14:creationId xmlns="" xmlns:p14="http://schemas.microsoft.com/office/powerpoint/2010/main" val="901109633"/>
+        <p14:creationId xmlns:p14="http://schemas.microsoft.com/office/powerpoint/2010/main" xmlns="" val="901109633"/>
       </p:ext>
     </p:extLst>
   </p:cSld>
@@ -5700,7 +5699,7 @@
     </p:spTree>
     <p:extLst>
       <p:ext uri="{BB962C8B-B14F-4D97-AF65-F5344CB8AC3E}">
-        <p14:creationId xmlns="" xmlns:p14="http://schemas.microsoft.com/office/powerpoint/2010/main" val="3742917869"/>
+        <p14:creationId xmlns:p14="http://schemas.microsoft.com/office/powerpoint/2010/main" xmlns="" val="3742917869"/>
       </p:ext>
     </p:extLst>
   </p:cSld>
@@ -5785,7 +5784,7 @@
     </p:spTree>
     <p:extLst>
       <p:ext uri="{BB962C8B-B14F-4D97-AF65-F5344CB8AC3E}">
-        <p14:creationId xmlns="" xmlns:p14="http://schemas.microsoft.com/office/powerpoint/2010/main" val="3303758646"/>
+        <p14:creationId xmlns:p14="http://schemas.microsoft.com/office/powerpoint/2010/main" xmlns="" val="3303758646"/>
       </p:ext>
     </p:extLst>
   </p:cSld>
@@ -5870,7 +5869,7 @@
     </p:spTree>
     <p:extLst>
       <p:ext uri="{BB962C8B-B14F-4D97-AF65-F5344CB8AC3E}">
-        <p14:creationId xmlns="" xmlns:p14="http://schemas.microsoft.com/office/powerpoint/2010/main" val="2229045688"/>
+        <p14:creationId xmlns:p14="http://schemas.microsoft.com/office/powerpoint/2010/main" xmlns="" val="2229045688"/>
       </p:ext>
     </p:extLst>
   </p:cSld>
@@ -6067,7 +6066,7 @@
             <a:fld id="{4AAD347D-5ACD-4C99-B74B-A9C85AD731AF}" type="datetimeFigureOut">
               <a:rPr lang="en-US" dirty="0"/>
               <a:pPr/>
-              <a:t>5/22/2016</a:t>
+              <a:t>5/26/2016</a:t>
             </a:fld>
             <a:endParaRPr lang="en-US" dirty="0"/>
           </a:p>
@@ -6339,7 +6338,7 @@
             <a:fld id="{4509A250-FF31-4206-8172-F9D3106AACB1}" type="datetimeFigureOut">
               <a:rPr lang="en-US" dirty="0"/>
               <a:pPr/>
-              <a:t>5/22/2016</a:t>
+              <a:t>5/26/2016</a:t>
             </a:fld>
             <a:endParaRPr lang="en-US" dirty="0"/>
           </a:p>
@@ -6530,7 +6529,7 @@
             <a:fld id="{4509A250-FF31-4206-8172-F9D3106AACB1}" type="datetimeFigureOut">
               <a:rPr lang="en-US" dirty="0"/>
               <a:pPr/>
-              <a:t>5/22/2016</a:t>
+              <a:t>5/26/2016</a:t>
             </a:fld>
             <a:endParaRPr lang="en-US" dirty="0"/>
           </a:p>
@@ -6800,7 +6799,7 @@
             <a:fld id="{4509A250-FF31-4206-8172-F9D3106AACB1}" type="datetimeFigureOut">
               <a:rPr lang="en-US" dirty="0"/>
               <a:pPr/>
-              <a:t>5/22/2016</a:t>
+              <a:t>5/26/2016</a:t>
             </a:fld>
             <a:endParaRPr lang="en-US" dirty="0"/>
           </a:p>
@@ -7138,7 +7137,7 @@
             <a:fld id="{4509A250-FF31-4206-8172-F9D3106AACB1}" type="datetimeFigureOut">
               <a:rPr lang="en-US" dirty="0"/>
               <a:pPr/>
-              <a:t>5/22/2016</a:t>
+              <a:t>5/26/2016</a:t>
             </a:fld>
             <a:endParaRPr lang="en-US" dirty="0"/>
           </a:p>
@@ -7758,7 +7757,7 @@
             <a:fld id="{4509A250-FF31-4206-8172-F9D3106AACB1}" type="datetimeFigureOut">
               <a:rPr lang="en-US" dirty="0"/>
               <a:pPr/>
-              <a:t>5/22/2016</a:t>
+              <a:t>5/26/2016</a:t>
             </a:fld>
             <a:endParaRPr lang="en-US" dirty="0"/>
           </a:p>
@@ -8615,7 +8614,7 @@
             <a:fld id="{4509A250-FF31-4206-8172-F9D3106AACB1}" type="datetimeFigureOut">
               <a:rPr lang="en-US" dirty="0"/>
               <a:pPr/>
-              <a:t>5/22/2016</a:t>
+              <a:t>5/26/2016</a:t>
             </a:fld>
             <a:endParaRPr lang="en-US" dirty="0"/>
           </a:p>
@@ -8782,7 +8781,7 @@
             <a:fld id="{4509A250-FF31-4206-8172-F9D3106AACB1}" type="datetimeFigureOut">
               <a:rPr lang="en-US" dirty="0"/>
               <a:pPr/>
-              <a:t>5/22/2016</a:t>
+              <a:t>5/26/2016</a:t>
             </a:fld>
             <a:endParaRPr lang="en-US" dirty="0"/>
           </a:p>
@@ -8959,7 +8958,7 @@
             <a:fld id="{4509A250-FF31-4206-8172-F9D3106AACB1}" type="datetimeFigureOut">
               <a:rPr lang="en-US" dirty="0"/>
               <a:pPr/>
-              <a:t>5/22/2016</a:t>
+              <a:t>5/26/2016</a:t>
             </a:fld>
             <a:endParaRPr lang="en-US" dirty="0"/>
           </a:p>
@@ -9126,7 +9125,7 @@
             <a:fld id="{4509A250-FF31-4206-8172-F9D3106AACB1}" type="datetimeFigureOut">
               <a:rPr lang="en-US" dirty="0"/>
               <a:pPr/>
-              <a:t>5/22/2016</a:t>
+              <a:t>5/26/2016</a:t>
             </a:fld>
             <a:endParaRPr lang="en-US" dirty="0"/>
           </a:p>
@@ -9370,7 +9369,7 @@
             <a:fld id="{9796027F-7875-4030-9381-8BD8C4F21935}" type="datetimeFigureOut">
               <a:rPr lang="en-US" dirty="0"/>
               <a:pPr/>
-              <a:t>5/22/2016</a:t>
+              <a:t>5/26/2016</a:t>
             </a:fld>
             <a:endParaRPr lang="en-US" dirty="0"/>
           </a:p>
@@ -9659,7 +9658,7 @@
             <a:fld id="{9796027F-7875-4030-9381-8BD8C4F21935}" type="datetimeFigureOut">
               <a:rPr lang="en-US" dirty="0"/>
               <a:pPr/>
-              <a:t>5/22/2016</a:t>
+              <a:t>5/26/2016</a:t>
             </a:fld>
             <a:endParaRPr lang="en-US" dirty="0"/>
           </a:p>
@@ -10100,7 +10099,7 @@
             <a:fld id="{9796027F-7875-4030-9381-8BD8C4F21935}" type="datetimeFigureOut">
               <a:rPr lang="en-US" dirty="0"/>
               <a:pPr/>
-              <a:t>5/22/2016</a:t>
+              <a:t>5/26/2016</a:t>
             </a:fld>
             <a:endParaRPr lang="en-US" dirty="0"/>
           </a:p>
@@ -10215,7 +10214,7 @@
             <a:fld id="{4509A250-FF31-4206-8172-F9D3106AACB1}" type="datetimeFigureOut">
               <a:rPr lang="en-US" dirty="0"/>
               <a:pPr/>
-              <a:t>5/22/2016</a:t>
+              <a:t>5/26/2016</a:t>
             </a:fld>
             <a:endParaRPr lang="en-US" dirty="0"/>
           </a:p>
@@ -10307,7 +10306,7 @@
             <a:fld id="{4509A250-FF31-4206-8172-F9D3106AACB1}" type="datetimeFigureOut">
               <a:rPr lang="en-US" dirty="0"/>
               <a:pPr/>
-              <a:t>5/22/2016</a:t>
+              <a:t>5/26/2016</a:t>
             </a:fld>
             <a:endParaRPr lang="en-US" dirty="0"/>
           </a:p>
@@ -10583,7 +10582,7 @@
             <a:fld id="{4509A250-FF31-4206-8172-F9D3106AACB1}" type="datetimeFigureOut">
               <a:rPr lang="en-US" dirty="0"/>
               <a:pPr/>
-              <a:t>5/22/2016</a:t>
+              <a:t>5/26/2016</a:t>
             </a:fld>
             <a:endParaRPr lang="en-US" dirty="0"/>
           </a:p>
@@ -10855,7 +10854,7 @@
             <a:fld id="{4509A250-FF31-4206-8172-F9D3106AACB1}" type="datetimeFigureOut">
               <a:rPr lang="en-US" dirty="0"/>
               <a:pPr/>
-              <a:t>5/22/2016</a:t>
+              <a:t>5/26/2016</a:t>
             </a:fld>
             <a:endParaRPr lang="en-US" dirty="0"/>
           </a:p>
@@ -10946,7 +10945,7 @@
           <a:blip r:embed="rId19">
             <a:extLst>
               <a:ext uri="{28A0092B-C50C-407E-A947-70E740481C1C}">
-                <a14:useLocalDpi xmlns="" xmlns:a14="http://schemas.microsoft.com/office/drawing/2010/main" val="0"/>
+                <a14:useLocalDpi xmlns:a14="http://schemas.microsoft.com/office/drawing/2010/main" xmlns="" val="0"/>
               </a:ext>
             </a:extLst>
           </a:blip>
@@ -10975,7 +10974,7 @@
           <a:blip r:embed="rId20">
             <a:extLst>
               <a:ext uri="{28A0092B-C50C-407E-A947-70E740481C1C}">
-                <a14:useLocalDpi xmlns="" xmlns:a14="http://schemas.microsoft.com/office/drawing/2010/main" val="0"/>
+                <a14:useLocalDpi xmlns:a14="http://schemas.microsoft.com/office/drawing/2010/main" xmlns="" val="0"/>
               </a:ext>
             </a:extLst>
           </a:blip>
@@ -11067,7 +11066,7 @@
           <a:blip r:embed="rId21">
             <a:extLst>
               <a:ext uri="{28A0092B-C50C-407E-A947-70E740481C1C}">
-                <a14:useLocalDpi xmlns="" xmlns:a14="http://schemas.microsoft.com/office/drawing/2010/main" val="0"/>
+                <a14:useLocalDpi xmlns:a14="http://schemas.microsoft.com/office/drawing/2010/main" xmlns="" val="0"/>
               </a:ext>
             </a:extLst>
           </a:blip>
@@ -11096,7 +11095,7 @@
           <a:blip r:embed="rId22">
             <a:extLst>
               <a:ext uri="{28A0092B-C50C-407E-A947-70E740481C1C}">
-                <a14:useLocalDpi xmlns="" xmlns:a14="http://schemas.microsoft.com/office/drawing/2010/main" val="0"/>
+                <a14:useLocalDpi xmlns:a14="http://schemas.microsoft.com/office/drawing/2010/main" xmlns="" val="0"/>
               </a:ext>
             </a:extLst>
           </a:blip>
@@ -11281,7 +11280,7 @@
             <a:fld id="{4AAD347D-5ACD-4C99-B74B-A9C85AD731AF}" type="datetimeFigureOut">
               <a:rPr lang="en-US" dirty="0"/>
               <a:pPr/>
-              <a:t>5/22/2016</a:t>
+              <a:t>5/26/2016</a:t>
             </a:fld>
             <a:endParaRPr lang="en-US" dirty="0"/>
           </a:p>
@@ -11839,7 +11838,7 @@
             <p:ph idx="1"/>
             <p:extLst>
               <p:ext uri="{D42A27DB-BD31-4B8C-83A1-F6EECF244321}">
-                <p14:modId xmlns="" xmlns:p14="http://schemas.microsoft.com/office/powerpoint/2010/main" val="1539963048"/>
+                <p14:modId xmlns:p14="http://schemas.microsoft.com/office/powerpoint/2010/main" xmlns="" val="1539963048"/>
               </p:ext>
             </p:extLst>
           </p:nvPr>
@@ -11857,7 +11856,7 @@
     </p:spTree>
     <p:extLst>
       <p:ext uri="{BB962C8B-B14F-4D97-AF65-F5344CB8AC3E}">
-        <p14:creationId xmlns="" xmlns:p14="http://schemas.microsoft.com/office/powerpoint/2010/main" val="430847203"/>
+        <p14:creationId xmlns:p14="http://schemas.microsoft.com/office/powerpoint/2010/main" xmlns="" val="430847203"/>
       </p:ext>
     </p:extLst>
   </p:cSld>
@@ -12117,10 +12116,10 @@
               </a:lnSpc>
             </a:pPr>
             <a:r>
-              <a:rPr lang="zh-CN" altLang="en-US" dirty="0" smtClean="0"/>
+              <a:rPr lang="zh-CN" altLang="en-US" sz="2400" dirty="0" smtClean="0"/>
               <a:t>由字母、数字、下划线组成</a:t>
             </a:r>
-            <a:endParaRPr lang="en-US" altLang="zh-CN" dirty="0" smtClean="0"/>
+            <a:endParaRPr lang="en-US" altLang="zh-CN" sz="2400" dirty="0" smtClean="0"/>
           </a:p>
           <a:p>
             <a:pPr>
@@ -12128,7 +12127,7 @@
                 <a:spcPct val="90000"/>
               </a:lnSpc>
             </a:pPr>
-            <a:endParaRPr lang="en-US" altLang="zh-CN" dirty="0" smtClean="0"/>
+            <a:endParaRPr lang="en-US" altLang="zh-CN" sz="2400" dirty="0" smtClean="0"/>
           </a:p>
           <a:p>
             <a:pPr>
@@ -12137,14 +12136,10 @@
               </a:lnSpc>
             </a:pPr>
             <a:r>
-              <a:rPr lang="zh-CN" altLang="en-US" dirty="0" smtClean="0"/>
-              <a:t>开头不能为</a:t>
-            </a:r>
-            <a:r>
-              <a:rPr lang="zh-CN" altLang="en-US" dirty="0" smtClean="0"/>
-              <a:t>数字</a:t>
-            </a:r>
-            <a:endParaRPr lang="en-US" altLang="zh-CN" dirty="0" smtClean="0"/>
+              <a:rPr lang="zh-CN" altLang="en-US" sz="2400" dirty="0" smtClean="0"/>
+              <a:t>开头不能为数字</a:t>
+            </a:r>
+            <a:endParaRPr lang="en-US" altLang="zh-CN" sz="2400" dirty="0" smtClean="0"/>
           </a:p>
           <a:p>
             <a:pPr>
@@ -12152,7 +12147,7 @@
                 <a:spcPct val="90000"/>
               </a:lnSpc>
             </a:pPr>
-            <a:endParaRPr lang="en-US" altLang="zh-CN" dirty="0" smtClean="0"/>
+            <a:endParaRPr lang="en-US" altLang="zh-CN" sz="2400" dirty="0" smtClean="0"/>
           </a:p>
           <a:p>
             <a:pPr>
@@ -12161,17 +12156,21 @@
               </a:lnSpc>
             </a:pPr>
             <a:r>
-              <a:rPr lang="zh-CN" altLang="en-US" dirty="0" smtClean="0"/>
-              <a:t>中文变量不出错</a:t>
-            </a:r>
-            <a:endParaRPr lang="en-US" altLang="zh-CN" dirty="0" smtClean="0"/>
+              <a:rPr lang="zh-CN" altLang="en-US" sz="2400" dirty="0" smtClean="0"/>
+              <a:t>支持</a:t>
+            </a:r>
+            <a:r>
+              <a:rPr lang="zh-CN" altLang="en-US" sz="2400" dirty="0" smtClean="0"/>
+              <a:t>中文变量名</a:t>
+            </a:r>
+            <a:endParaRPr lang="en-US" altLang="zh-CN" sz="2400" dirty="0" smtClean="0"/>
           </a:p>
         </p:txBody>
       </p:sp>
     </p:spTree>
     <p:extLst>
       <p:ext uri="{BB962C8B-B14F-4D97-AF65-F5344CB8AC3E}">
-        <p14:creationId xmlns="" xmlns:p14="http://schemas.microsoft.com/office/powerpoint/2010/main" val="2036312712"/>
+        <p14:creationId xmlns:p14="http://schemas.microsoft.com/office/powerpoint/2010/main" xmlns="" val="2036312712"/>
       </p:ext>
     </p:extLst>
   </p:cSld>
@@ -12324,10 +12323,15 @@
             <p:ph idx="1"/>
           </p:nvPr>
         </p:nvSpPr>
-        <p:spPr/>
+        <p:spPr>
+          <a:xfrm>
+            <a:off x="1103312" y="1409700"/>
+            <a:ext cx="8946541" cy="4195481"/>
+          </a:xfrm>
+        </p:spPr>
         <p:txBody>
           <a:bodyPr>
-            <a:normAutofit fontScale="92500" lnSpcReduction="20000"/>
+            <a:noAutofit/>
           </a:bodyPr>
           <a:lstStyle/>
           <a:p>
@@ -12354,10 +12358,10 @@
               <a:buChar char="l"/>
             </a:pPr>
             <a:r>
-              <a:rPr lang="zh-CN" altLang="en-US" dirty="0" smtClean="0"/>
+              <a:rPr lang="zh-CN" altLang="en-US" sz="2000" dirty="0" smtClean="0"/>
               <a:t>整数</a:t>
             </a:r>
-            <a:endParaRPr lang="en-US" altLang="zh-CN" dirty="0" smtClean="0"/>
+            <a:endParaRPr lang="en-US" altLang="zh-CN" sz="2000" dirty="0" smtClean="0"/>
           </a:p>
           <a:p>
             <a:pPr lvl="1">
@@ -12368,10 +12372,10 @@
               <a:buChar char="l"/>
             </a:pPr>
             <a:r>
-              <a:rPr lang="zh-CN" altLang="en-US" dirty="0" smtClean="0"/>
+              <a:rPr lang="zh-CN" altLang="en-US" sz="2000" dirty="0" smtClean="0"/>
               <a:t>小数</a:t>
             </a:r>
-            <a:endParaRPr lang="en-US" altLang="zh-CN" dirty="0" smtClean="0"/>
+            <a:endParaRPr lang="en-US" altLang="zh-CN" sz="2000" dirty="0" smtClean="0"/>
           </a:p>
           <a:p>
             <a:pPr lvl="1">
@@ -12382,10 +12386,10 @@
               <a:buChar char="l"/>
             </a:pPr>
             <a:r>
-              <a:rPr lang="zh-CN" altLang="en-US" dirty="0" smtClean="0"/>
+              <a:rPr lang="zh-CN" altLang="en-US" sz="2000" dirty="0" smtClean="0"/>
               <a:t>浮点数</a:t>
             </a:r>
-            <a:endParaRPr lang="en-US" altLang="zh-CN" dirty="0" smtClean="0"/>
+            <a:endParaRPr lang="en-US" altLang="zh-CN" sz="2000" dirty="0" smtClean="0"/>
           </a:p>
           <a:p>
             <a:pPr>
@@ -12411,10 +12415,10 @@
               <a:buChar char="l"/>
             </a:pPr>
             <a:r>
-              <a:rPr lang="zh-CN" altLang="en-US" dirty="0" smtClean="0"/>
+              <a:rPr lang="zh-CN" altLang="en-US" sz="2000" dirty="0" smtClean="0"/>
               <a:t>单个字符</a:t>
             </a:r>
-            <a:endParaRPr lang="en-US" altLang="zh-CN" dirty="0" smtClean="0"/>
+            <a:endParaRPr lang="en-US" altLang="zh-CN" sz="2000" dirty="0" smtClean="0"/>
           </a:p>
           <a:p>
             <a:pPr lvl="1">
@@ -12425,10 +12429,10 @@
               <a:buChar char="l"/>
             </a:pPr>
             <a:r>
-              <a:rPr lang="zh-CN" altLang="en-US" dirty="0" smtClean="0"/>
+              <a:rPr lang="zh-CN" altLang="en-US" sz="2000" dirty="0" smtClean="0"/>
               <a:t>多个字符</a:t>
             </a:r>
-            <a:endParaRPr lang="en-US" altLang="zh-CN" dirty="0" smtClean="0"/>
+            <a:endParaRPr lang="en-US" altLang="zh-CN" sz="2000" dirty="0" smtClean="0"/>
           </a:p>
           <a:p>
             <a:pPr>
@@ -12455,7 +12459,7 @@
               <a:buChar char="l"/>
             </a:pPr>
             <a:r>
-              <a:rPr lang="en-US" altLang="zh-CN" dirty="0" smtClean="0"/>
+              <a:rPr lang="en-US" altLang="zh-CN" sz="2000" dirty="0" smtClean="0"/>
               <a:t>true</a:t>
             </a:r>
           </a:p>
@@ -12468,7 +12472,7 @@
               <a:buChar char="l"/>
             </a:pPr>
             <a:r>
-              <a:rPr lang="en-US" altLang="zh-CN" dirty="0" smtClean="0"/>
+              <a:rPr lang="en-US" altLang="zh-CN" sz="2000" dirty="0" smtClean="0"/>
               <a:t>false</a:t>
             </a:r>
           </a:p>
@@ -12523,7 +12527,7 @@
     </p:spTree>
     <p:extLst>
       <p:ext uri="{BB962C8B-B14F-4D97-AF65-F5344CB8AC3E}">
-        <p14:creationId xmlns="" xmlns:p14="http://schemas.microsoft.com/office/powerpoint/2010/main" val="2036312712"/>
+        <p14:creationId xmlns:p14="http://schemas.microsoft.com/office/powerpoint/2010/main" xmlns="" val="2036312712"/>
       </p:ext>
     </p:extLst>
   </p:cSld>
@@ -12689,10 +12693,10 @@
               </a:lnSpc>
             </a:pPr>
             <a:r>
-              <a:rPr lang="zh-CN" altLang="en-US" dirty="0" smtClean="0"/>
+              <a:rPr lang="zh-CN" altLang="en-US" sz="2400" dirty="0" smtClean="0"/>
               <a:t>算数运算符</a:t>
             </a:r>
-            <a:endParaRPr lang="en-US" altLang="zh-CN" dirty="0" smtClean="0"/>
+            <a:endParaRPr lang="en-US" altLang="zh-CN" sz="2400" dirty="0" smtClean="0"/>
           </a:p>
           <a:p>
             <a:pPr>
@@ -12700,7 +12704,7 @@
                 <a:spcPct val="90000"/>
               </a:lnSpc>
             </a:pPr>
-            <a:endParaRPr lang="en-US" altLang="zh-CN" dirty="0" smtClean="0"/>
+            <a:endParaRPr lang="en-US" altLang="zh-CN" sz="2400" dirty="0" smtClean="0"/>
           </a:p>
           <a:p>
             <a:pPr>
@@ -12709,10 +12713,10 @@
               </a:lnSpc>
             </a:pPr>
             <a:r>
-              <a:rPr lang="zh-CN" altLang="en-US" dirty="0" smtClean="0"/>
+              <a:rPr lang="zh-CN" altLang="en-US" sz="2400" dirty="0" smtClean="0"/>
               <a:t>比较运算符</a:t>
             </a:r>
-            <a:endParaRPr lang="en-US" altLang="zh-CN" dirty="0" smtClean="0"/>
+            <a:endParaRPr lang="en-US" altLang="zh-CN" sz="2400" dirty="0" smtClean="0"/>
           </a:p>
           <a:p>
             <a:pPr>
@@ -12720,7 +12724,7 @@
                 <a:spcPct val="90000"/>
               </a:lnSpc>
             </a:pPr>
-            <a:endParaRPr lang="en-US" altLang="zh-CN" dirty="0" smtClean="0"/>
+            <a:endParaRPr lang="en-US" altLang="zh-CN" sz="2400" dirty="0" smtClean="0"/>
           </a:p>
           <a:p>
             <a:pPr>
@@ -12729,10 +12733,10 @@
               </a:lnSpc>
             </a:pPr>
             <a:r>
-              <a:rPr lang="zh-CN" altLang="en-US" dirty="0" smtClean="0"/>
+              <a:rPr lang="zh-CN" altLang="en-US" sz="2400" dirty="0" smtClean="0"/>
               <a:t>逻辑运算符</a:t>
             </a:r>
-            <a:endParaRPr lang="en-US" altLang="zh-CN" dirty="0" smtClean="0"/>
+            <a:endParaRPr lang="en-US" altLang="zh-CN" sz="2400" dirty="0" smtClean="0"/>
           </a:p>
           <a:p>
             <a:pPr lvl="1">
@@ -12749,7 +12753,7 @@
     </p:spTree>
     <p:extLst>
       <p:ext uri="{BB962C8B-B14F-4D97-AF65-F5344CB8AC3E}">
-        <p14:creationId xmlns="" xmlns:p14="http://schemas.microsoft.com/office/powerpoint/2010/main" val="2036312712"/>
+        <p14:creationId xmlns:p14="http://schemas.microsoft.com/office/powerpoint/2010/main" xmlns="" val="2036312712"/>
       </p:ext>
     </p:extLst>
   </p:cSld>
@@ -12915,10 +12919,10 @@
               </a:lnSpc>
             </a:pPr>
             <a:r>
-              <a:rPr lang="zh-CN" altLang="en-US" dirty="0" smtClean="0"/>
+              <a:rPr lang="zh-CN" altLang="en-US" sz="2400" dirty="0" smtClean="0"/>
               <a:t>算数运算符</a:t>
             </a:r>
-            <a:endParaRPr lang="en-US" altLang="zh-CN" dirty="0" smtClean="0"/>
+            <a:endParaRPr lang="en-US" altLang="zh-CN" sz="2400" dirty="0" smtClean="0"/>
           </a:p>
           <a:p>
             <a:pPr>
@@ -12927,7 +12931,7 @@
               </a:lnSpc>
               <a:buNone/>
             </a:pPr>
-            <a:endParaRPr lang="en-US" altLang="zh-CN" dirty="0" smtClean="0"/>
+            <a:endParaRPr lang="en-US" altLang="zh-CN" sz="2400" dirty="0" smtClean="0"/>
           </a:p>
           <a:p>
             <a:pPr lvl="1">
@@ -12938,10 +12942,10 @@
               <a:buChar char="l"/>
             </a:pPr>
             <a:r>
-              <a:rPr lang="zh-CN" altLang="en-US" dirty="0" smtClean="0"/>
+              <a:rPr lang="zh-CN" altLang="en-US" sz="2400" dirty="0" smtClean="0"/>
               <a:t>双目运算符</a:t>
             </a:r>
-            <a:endParaRPr lang="en-US" altLang="zh-CN" dirty="0" smtClean="0"/>
+            <a:endParaRPr lang="en-US" altLang="zh-CN" sz="2400" dirty="0" smtClean="0"/>
           </a:p>
           <a:p>
             <a:pPr lvl="2">
@@ -12951,7 +12955,7 @@
               <a:buNone/>
             </a:pPr>
             <a:r>
-              <a:rPr lang="en-US" altLang="zh-CN" dirty="0" smtClean="0"/>
+              <a:rPr lang="en-US" altLang="zh-CN" sz="2400" dirty="0" smtClean="0"/>
               <a:t>+  -  * /  %</a:t>
             </a:r>
           </a:p>
@@ -12962,7 +12966,7 @@
               </a:lnSpc>
               <a:buNone/>
             </a:pPr>
-            <a:endParaRPr lang="en-US" altLang="zh-CN" dirty="0" smtClean="0"/>
+            <a:endParaRPr lang="en-US" altLang="zh-CN" sz="2400" dirty="0" smtClean="0"/>
           </a:p>
           <a:p>
             <a:pPr lvl="1">
@@ -12973,10 +12977,10 @@
               <a:buChar char="l"/>
             </a:pPr>
             <a:r>
-              <a:rPr lang="zh-CN" altLang="en-US" dirty="0" smtClean="0"/>
+              <a:rPr lang="zh-CN" altLang="en-US" sz="2400" dirty="0" smtClean="0"/>
               <a:t>单目运算符</a:t>
             </a:r>
-            <a:endParaRPr lang="en-US" altLang="zh-CN" dirty="0" smtClean="0"/>
+            <a:endParaRPr lang="en-US" altLang="zh-CN" sz="2400" dirty="0" smtClean="0"/>
           </a:p>
           <a:p>
             <a:pPr lvl="2">
@@ -12986,7 +12990,7 @@
               <a:buNone/>
             </a:pPr>
             <a:r>
-              <a:rPr lang="en-US" altLang="zh-CN" dirty="0" smtClean="0"/>
+              <a:rPr lang="en-US" altLang="zh-CN" sz="2400" dirty="0" smtClean="0"/>
               <a:t>-  ++  --</a:t>
             </a:r>
           </a:p>
@@ -12995,7 +12999,7 @@
     </p:spTree>
     <p:extLst>
       <p:ext uri="{BB962C8B-B14F-4D97-AF65-F5344CB8AC3E}">
-        <p14:creationId xmlns="" xmlns:p14="http://schemas.microsoft.com/office/powerpoint/2010/main" val="2036312712"/>
+        <p14:creationId xmlns:p14="http://schemas.microsoft.com/office/powerpoint/2010/main" xmlns="" val="2036312712"/>
       </p:ext>
     </p:extLst>
   </p:cSld>
@@ -13161,10 +13165,10 @@
               </a:lnSpc>
             </a:pPr>
             <a:r>
-              <a:rPr lang="zh-CN" altLang="en-US" dirty="0" smtClean="0"/>
+              <a:rPr lang="zh-CN" altLang="en-US" sz="2400" dirty="0" smtClean="0"/>
               <a:t>比较运算符</a:t>
             </a:r>
-            <a:endParaRPr lang="en-US" altLang="zh-CN" dirty="0" smtClean="0"/>
+            <a:endParaRPr lang="en-US" altLang="zh-CN" sz="2400" dirty="0" smtClean="0"/>
           </a:p>
           <a:p>
             <a:pPr>
@@ -13173,7 +13177,7 @@
               </a:lnSpc>
               <a:buNone/>
             </a:pPr>
-            <a:endParaRPr lang="en-US" altLang="zh-CN" dirty="0" smtClean="0"/>
+            <a:endParaRPr lang="en-US" altLang="zh-CN" sz="2400" dirty="0" smtClean="0"/>
           </a:p>
           <a:p>
             <a:pPr lvl="1">
@@ -13184,7 +13188,7 @@
               <a:buChar char="l"/>
             </a:pPr>
             <a:r>
-              <a:rPr lang="en-US" altLang="zh-CN" dirty="0" smtClean="0"/>
+              <a:rPr lang="en-US" altLang="zh-CN" sz="2400" dirty="0" smtClean="0"/>
               <a:t>&gt;</a:t>
             </a:r>
           </a:p>
@@ -13197,7 +13201,7 @@
               <a:buChar char="l"/>
             </a:pPr>
             <a:r>
-              <a:rPr lang="en-US" altLang="zh-CN" dirty="0" smtClean="0"/>
+              <a:rPr lang="en-US" altLang="zh-CN" sz="2400" dirty="0" smtClean="0"/>
               <a:t>&gt;=</a:t>
             </a:r>
           </a:p>
@@ -13210,7 +13214,7 @@
               <a:buChar char="l"/>
             </a:pPr>
             <a:r>
-              <a:rPr lang="en-US" altLang="zh-CN" dirty="0" smtClean="0"/>
+              <a:rPr lang="en-US" altLang="zh-CN" sz="2400" dirty="0" smtClean="0"/>
               <a:t>&lt;</a:t>
             </a:r>
           </a:p>
@@ -13223,7 +13227,7 @@
               <a:buChar char="l"/>
             </a:pPr>
             <a:r>
-              <a:rPr lang="en-US" altLang="zh-CN" dirty="0" smtClean="0"/>
+              <a:rPr lang="en-US" altLang="zh-CN" sz="2400" dirty="0" smtClean="0"/>
               <a:t>&lt;=</a:t>
             </a:r>
           </a:p>
@@ -13236,7 +13240,7 @@
               <a:buChar char="l"/>
             </a:pPr>
             <a:r>
-              <a:rPr lang="en-US" altLang="zh-CN" dirty="0" smtClean="0"/>
+              <a:rPr lang="en-US" altLang="zh-CN" sz="2400" dirty="0" smtClean="0"/>
               <a:t>==</a:t>
             </a:r>
           </a:p>
@@ -13249,7 +13253,7 @@
               <a:buChar char="l"/>
             </a:pPr>
             <a:r>
-              <a:rPr lang="en-US" altLang="zh-CN" dirty="0" smtClean="0"/>
+              <a:rPr lang="en-US" altLang="zh-CN" sz="2400" dirty="0" smtClean="0"/>
               <a:t>!=</a:t>
             </a:r>
           </a:p>
@@ -13258,7 +13262,7 @@
     </p:spTree>
     <p:extLst>
       <p:ext uri="{BB962C8B-B14F-4D97-AF65-F5344CB8AC3E}">
-        <p14:creationId xmlns="" xmlns:p14="http://schemas.microsoft.com/office/powerpoint/2010/main" val="2036312712"/>
+        <p14:creationId xmlns:p14="http://schemas.microsoft.com/office/powerpoint/2010/main" xmlns="" val="2036312712"/>
       </p:ext>
     </p:extLst>
   </p:cSld>
@@ -13513,7 +13517,7 @@
     </p:spTree>
     <p:extLst>
       <p:ext uri="{BB962C8B-B14F-4D97-AF65-F5344CB8AC3E}">
-        <p14:creationId xmlns="" xmlns:p14="http://schemas.microsoft.com/office/powerpoint/2010/main" val="2036312712"/>
+        <p14:creationId xmlns:p14="http://schemas.microsoft.com/office/powerpoint/2010/main" xmlns="" val="2036312712"/>
       </p:ext>
     </p:extLst>
   </p:cSld>
@@ -13679,10 +13683,10 @@
               </a:lnSpc>
             </a:pPr>
             <a:r>
-              <a:rPr lang="zh-CN" altLang="en-US" dirty="0" smtClean="0"/>
+              <a:rPr lang="zh-CN" altLang="en-US" sz="2400" dirty="0" smtClean="0"/>
               <a:t>顺序语句</a:t>
             </a:r>
-            <a:endParaRPr lang="en-US" altLang="zh-CN" dirty="0" smtClean="0"/>
+            <a:endParaRPr lang="en-US" altLang="zh-CN" sz="2400" dirty="0" smtClean="0"/>
           </a:p>
           <a:p>
             <a:pPr>
@@ -13690,7 +13694,7 @@
                 <a:spcPct val="90000"/>
               </a:lnSpc>
             </a:pPr>
-            <a:endParaRPr lang="en-US" altLang="zh-CN" dirty="0" smtClean="0"/>
+            <a:endParaRPr lang="en-US" altLang="zh-CN" sz="2400" dirty="0" smtClean="0"/>
           </a:p>
           <a:p>
             <a:pPr>
@@ -13698,7 +13702,7 @@
                 <a:spcPct val="90000"/>
               </a:lnSpc>
             </a:pPr>
-            <a:endParaRPr lang="en-US" altLang="zh-CN" dirty="0" smtClean="0"/>
+            <a:endParaRPr lang="en-US" altLang="zh-CN" sz="2400" dirty="0" smtClean="0"/>
           </a:p>
           <a:p>
             <a:pPr>
@@ -13707,10 +13711,10 @@
               </a:lnSpc>
             </a:pPr>
             <a:r>
-              <a:rPr lang="zh-CN" altLang="en-US" dirty="0" smtClean="0"/>
+              <a:rPr lang="zh-CN" altLang="en-US" sz="2400" dirty="0" smtClean="0"/>
               <a:t>选择语句</a:t>
             </a:r>
-            <a:endParaRPr lang="en-US" altLang="zh-CN" dirty="0" smtClean="0"/>
+            <a:endParaRPr lang="en-US" altLang="zh-CN" sz="2400" dirty="0" smtClean="0"/>
           </a:p>
           <a:p>
             <a:pPr>
@@ -13718,7 +13722,7 @@
                 <a:spcPct val="90000"/>
               </a:lnSpc>
             </a:pPr>
-            <a:endParaRPr lang="en-US" altLang="zh-CN" dirty="0" smtClean="0"/>
+            <a:endParaRPr lang="en-US" altLang="zh-CN" sz="2400" dirty="0" smtClean="0"/>
           </a:p>
           <a:p>
             <a:pPr>
@@ -13726,7 +13730,7 @@
                 <a:spcPct val="90000"/>
               </a:lnSpc>
             </a:pPr>
-            <a:endParaRPr lang="en-US" altLang="zh-CN" dirty="0" smtClean="0"/>
+            <a:endParaRPr lang="en-US" altLang="zh-CN" sz="2400" dirty="0" smtClean="0"/>
           </a:p>
           <a:p>
             <a:pPr>
@@ -13735,17 +13739,17 @@
               </a:lnSpc>
             </a:pPr>
             <a:r>
-              <a:rPr lang="zh-CN" altLang="en-US" dirty="0" smtClean="0"/>
+              <a:rPr lang="zh-CN" altLang="en-US" sz="2400" dirty="0" smtClean="0"/>
               <a:t>循环语句</a:t>
             </a:r>
-            <a:endParaRPr lang="en-US" altLang="zh-CN" dirty="0" smtClean="0"/>
+            <a:endParaRPr lang="en-US" altLang="zh-CN" sz="2400" dirty="0" smtClean="0"/>
           </a:p>
         </p:txBody>
       </p:sp>
     </p:spTree>
     <p:extLst>
       <p:ext uri="{BB962C8B-B14F-4D97-AF65-F5344CB8AC3E}">
-        <p14:creationId xmlns="" xmlns:p14="http://schemas.microsoft.com/office/powerpoint/2010/main" val="2036312712"/>
+        <p14:creationId xmlns:p14="http://schemas.microsoft.com/office/powerpoint/2010/main" xmlns="" val="2036312712"/>
       </p:ext>
     </p:extLst>
   </p:cSld>
@@ -13911,10 +13915,10 @@
               </a:lnSpc>
             </a:pPr>
             <a:r>
-              <a:rPr lang="zh-CN" altLang="en-US" dirty="0" smtClean="0"/>
+              <a:rPr lang="zh-CN" altLang="en-US" sz="2400" dirty="0" smtClean="0"/>
               <a:t>选择语句</a:t>
             </a:r>
-            <a:endParaRPr lang="en-US" altLang="zh-CN" dirty="0" smtClean="0"/>
+            <a:endParaRPr lang="en-US" altLang="zh-CN" sz="2400" dirty="0" smtClean="0"/>
           </a:p>
           <a:p>
             <a:pPr lvl="1">
@@ -13925,10 +13929,10 @@
               <a:buChar char="l"/>
             </a:pPr>
             <a:r>
-              <a:rPr lang="zh-CN" altLang="en-US" dirty="0" smtClean="0"/>
+              <a:rPr lang="zh-CN" altLang="en-US" sz="2400" dirty="0" smtClean="0"/>
               <a:t>基本格式</a:t>
             </a:r>
-            <a:endParaRPr lang="en-US" altLang="zh-CN" dirty="0" smtClean="0"/>
+            <a:endParaRPr lang="en-US" altLang="zh-CN" sz="2400" dirty="0" smtClean="0"/>
           </a:p>
           <a:p>
             <a:pPr lvl="1">
@@ -13938,50 +13942,50 @@
               <a:buNone/>
             </a:pPr>
             <a:r>
-              <a:rPr lang="zh-CN" altLang="en-US" dirty="0" smtClean="0"/>
+              <a:rPr lang="zh-CN" altLang="en-US" sz="2400" dirty="0" smtClean="0"/>
               <a:t/>
             </a:r>
             <a:br>
-              <a:rPr lang="zh-CN" altLang="en-US" dirty="0" smtClean="0"/>
+              <a:rPr lang="zh-CN" altLang="en-US" sz="2400" dirty="0" smtClean="0"/>
             </a:br>
             <a:r>
-              <a:rPr lang="en-US" altLang="zh-CN" dirty="0" smtClean="0"/>
+              <a:rPr lang="en-US" altLang="zh-CN" sz="2400" dirty="0" smtClean="0"/>
               <a:t>if</a:t>
             </a:r>
             <a:r>
-              <a:rPr lang="zh-CN" altLang="en-US" dirty="0" smtClean="0"/>
+              <a:rPr lang="zh-CN" altLang="en-US" sz="2400" dirty="0" smtClean="0"/>
               <a:t>（表述式）</a:t>
             </a:r>
             <a:br>
-              <a:rPr lang="zh-CN" altLang="en-US" dirty="0" smtClean="0"/>
+              <a:rPr lang="zh-CN" altLang="en-US" sz="2400" dirty="0" smtClean="0"/>
             </a:br>
             <a:r>
-              <a:rPr lang="zh-CN" altLang="en-US" dirty="0" smtClean="0"/>
+              <a:rPr lang="zh-CN" altLang="en-US" sz="2400" dirty="0" smtClean="0"/>
               <a:t>    语句段１；</a:t>
             </a:r>
             <a:r>
-              <a:rPr lang="en-US" altLang="zh-CN" dirty="0" smtClean="0"/>
+              <a:rPr lang="en-US" altLang="zh-CN" sz="2400" dirty="0" smtClean="0"/>
               <a:t/>
             </a:r>
             <a:br>
-              <a:rPr lang="en-US" altLang="zh-CN" dirty="0" smtClean="0"/>
+              <a:rPr lang="en-US" altLang="zh-CN" sz="2400" dirty="0" smtClean="0"/>
             </a:br>
             <a:r>
-              <a:rPr lang="en-US" altLang="zh-CN" dirty="0" smtClean="0"/>
+              <a:rPr lang="en-US" altLang="zh-CN" sz="2400" dirty="0" smtClean="0"/>
               <a:t>else</a:t>
             </a:r>
             <a:br>
-              <a:rPr lang="en-US" altLang="zh-CN" dirty="0" smtClean="0"/>
+              <a:rPr lang="en-US" altLang="zh-CN" sz="2400" dirty="0" smtClean="0"/>
             </a:br>
             <a:r>
-              <a:rPr lang="en-US" altLang="zh-CN" dirty="0" smtClean="0"/>
+              <a:rPr lang="en-US" altLang="zh-CN" sz="2400" dirty="0" smtClean="0"/>
               <a:t>    </a:t>
             </a:r>
             <a:r>
-              <a:rPr lang="zh-CN" altLang="en-US" dirty="0" smtClean="0"/>
+              <a:rPr lang="zh-CN" altLang="en-US" sz="2400" dirty="0" smtClean="0"/>
               <a:t>语句段２；</a:t>
             </a:r>
-            <a:endParaRPr lang="en-US" altLang="zh-CN" dirty="0" smtClean="0"/>
+            <a:endParaRPr lang="en-US" altLang="zh-CN" sz="2400" dirty="0" smtClean="0"/>
           </a:p>
           <a:p>
             <a:pPr lvl="1">
@@ -13991,7 +13995,7 @@
               <a:buFont typeface="Wingdings" pitchFamily="2" charset="2"/>
               <a:buChar char="l"/>
             </a:pPr>
-            <a:endParaRPr lang="en-US" altLang="zh-CN" dirty="0" smtClean="0"/>
+            <a:endParaRPr lang="en-US" altLang="zh-CN" sz="2400" dirty="0" smtClean="0"/>
           </a:p>
           <a:p>
             <a:pPr lvl="1">
@@ -14002,25 +14006,25 @@
               <a:buChar char="l"/>
             </a:pPr>
             <a:r>
-              <a:rPr lang="zh-CN" altLang="en-US" dirty="0" smtClean="0"/>
+              <a:rPr lang="zh-CN" altLang="en-US" sz="2400" dirty="0" smtClean="0"/>
               <a:t>功能：若表达式为</a:t>
             </a:r>
             <a:r>
-              <a:rPr lang="en-US" altLang="zh-CN" dirty="0" smtClean="0"/>
+              <a:rPr lang="en-US" altLang="zh-CN" sz="2400" dirty="0" smtClean="0"/>
               <a:t>true</a:t>
             </a:r>
             <a:r>
-              <a:rPr lang="zh-CN" altLang="en-US" dirty="0" smtClean="0"/>
+              <a:rPr lang="zh-CN" altLang="en-US" sz="2400" dirty="0" smtClean="0"/>
               <a:t>，则执行语句段１；否则执行语句段２。</a:t>
             </a:r>
-            <a:endParaRPr lang="en-US" altLang="zh-CN" dirty="0" smtClean="0"/>
+            <a:endParaRPr lang="en-US" altLang="zh-CN" sz="2400" dirty="0" smtClean="0"/>
           </a:p>
         </p:txBody>
       </p:sp>
     </p:spTree>
     <p:extLst>
       <p:ext uri="{BB962C8B-B14F-4D97-AF65-F5344CB8AC3E}">
-        <p14:creationId xmlns="" xmlns:p14="http://schemas.microsoft.com/office/powerpoint/2010/main" val="2036312712"/>
+        <p14:creationId xmlns:p14="http://schemas.microsoft.com/office/powerpoint/2010/main" xmlns="" val="2036312712"/>
       </p:ext>
     </p:extLst>
   </p:cSld>
@@ -14186,14 +14190,14 @@
               </a:lnSpc>
             </a:pPr>
             <a:r>
-              <a:rPr lang="en-US" altLang="zh-CN" dirty="0" smtClean="0"/>
+              <a:rPr lang="en-US" altLang="zh-CN" sz="2400" dirty="0" smtClean="0"/>
               <a:t>for</a:t>
             </a:r>
             <a:r>
-              <a:rPr lang="zh-CN" altLang="en-US" dirty="0" smtClean="0"/>
+              <a:rPr lang="zh-CN" altLang="en-US" sz="2400" dirty="0" smtClean="0"/>
               <a:t>循环语句</a:t>
             </a:r>
-            <a:endParaRPr lang="en-US" altLang="zh-CN" dirty="0" smtClean="0"/>
+            <a:endParaRPr lang="en-US" altLang="zh-CN" sz="2400" dirty="0" smtClean="0"/>
           </a:p>
           <a:p>
             <a:pPr>
@@ -14201,7 +14205,7 @@
                 <a:spcPct val="90000"/>
               </a:lnSpc>
             </a:pPr>
-            <a:endParaRPr lang="en-US" altLang="zh-CN" dirty="0" smtClean="0"/>
+            <a:endParaRPr lang="en-US" altLang="zh-CN" sz="2400" dirty="0" smtClean="0"/>
           </a:p>
           <a:p>
             <a:pPr lvl="1">
@@ -14212,10 +14216,10 @@
               <a:buChar char="l"/>
             </a:pPr>
             <a:r>
-              <a:rPr lang="zh-CN" altLang="en-US" dirty="0" smtClean="0"/>
+              <a:rPr lang="zh-CN" altLang="en-US" sz="2400" dirty="0" smtClean="0"/>
               <a:t>基本格式</a:t>
             </a:r>
-            <a:endParaRPr lang="en-US" altLang="zh-CN" dirty="0" smtClean="0"/>
+            <a:endParaRPr lang="en-US" altLang="zh-CN" sz="2400" dirty="0" smtClean="0"/>
           </a:p>
           <a:p>
             <a:pPr lvl="1">
@@ -14225,21 +14229,21 @@
               <a:buNone/>
             </a:pPr>
             <a:r>
-              <a:rPr lang="zh-CN" altLang="en-US" dirty="0" smtClean="0"/>
+              <a:rPr lang="zh-CN" altLang="en-US" sz="2400" dirty="0" smtClean="0"/>
               <a:t/>
             </a:r>
             <a:br>
-              <a:rPr lang="zh-CN" altLang="en-US" dirty="0" smtClean="0"/>
+              <a:rPr lang="zh-CN" altLang="en-US" sz="2400" dirty="0" smtClean="0"/>
             </a:br>
             <a:r>
-              <a:rPr lang="en-US" altLang="zh-CN" dirty="0" smtClean="0"/>
+              <a:rPr lang="en-US" altLang="zh-CN" sz="2400" dirty="0" smtClean="0"/>
               <a:t> for</a:t>
             </a:r>
             <a:r>
-              <a:rPr lang="zh-CN" altLang="en-US" dirty="0" smtClean="0"/>
+              <a:rPr lang="zh-CN" altLang="en-US" sz="2400" dirty="0" smtClean="0"/>
               <a:t>（初始化；条件；增量）</a:t>
             </a:r>
-            <a:endParaRPr lang="en-US" altLang="zh-CN" dirty="0" smtClean="0"/>
+            <a:endParaRPr lang="en-US" altLang="zh-CN" sz="2400" dirty="0" smtClean="0"/>
           </a:p>
           <a:p>
             <a:pPr lvl="1">
@@ -14249,7 +14253,7 @@
               <a:buFont typeface="Wingdings" pitchFamily="2" charset="2"/>
               <a:buChar char="l"/>
             </a:pPr>
-            <a:endParaRPr lang="en-US" altLang="zh-CN" dirty="0" smtClean="0"/>
+            <a:endParaRPr lang="en-US" altLang="zh-CN" sz="2400" dirty="0" smtClean="0"/>
           </a:p>
           <a:p>
             <a:pPr lvl="1">
@@ -14260,17 +14264,17 @@
               <a:buChar char="l"/>
             </a:pPr>
             <a:r>
-              <a:rPr lang="zh-CN" altLang="en-US" dirty="0" smtClean="0"/>
+              <a:rPr lang="zh-CN" altLang="en-US" sz="2400" dirty="0" smtClean="0"/>
               <a:t>功能：实现条件循环，当条件成立时，执行语句集，否则跳出循环体。</a:t>
             </a:r>
-            <a:endParaRPr lang="en-US" altLang="zh-CN" dirty="0" smtClean="0"/>
+            <a:endParaRPr lang="en-US" altLang="zh-CN" sz="2400" dirty="0" smtClean="0"/>
           </a:p>
         </p:txBody>
       </p:sp>
     </p:spTree>
     <p:extLst>
       <p:ext uri="{BB962C8B-B14F-4D97-AF65-F5344CB8AC3E}">
-        <p14:creationId xmlns="" xmlns:p14="http://schemas.microsoft.com/office/powerpoint/2010/main" val="2036312712"/>
+        <p14:creationId xmlns:p14="http://schemas.microsoft.com/office/powerpoint/2010/main" xmlns="" val="2036312712"/>
       </p:ext>
     </p:extLst>
   </p:cSld>
@@ -14436,14 +14440,14 @@
               </a:lnSpc>
             </a:pPr>
             <a:r>
-              <a:rPr lang="en-US" altLang="zh-CN" dirty="0" smtClean="0"/>
+              <a:rPr lang="en-US" altLang="zh-CN" sz="2400" dirty="0" smtClean="0"/>
               <a:t>while</a:t>
             </a:r>
             <a:r>
-              <a:rPr lang="zh-CN" altLang="en-US" dirty="0" smtClean="0"/>
+              <a:rPr lang="zh-CN" altLang="en-US" sz="2400" dirty="0" smtClean="0"/>
               <a:t>循环语句</a:t>
             </a:r>
-            <a:endParaRPr lang="en-US" altLang="zh-CN" dirty="0" smtClean="0"/>
+            <a:endParaRPr lang="en-US" altLang="zh-CN" sz="2400" dirty="0" smtClean="0"/>
           </a:p>
           <a:p>
             <a:pPr>
@@ -14451,7 +14455,7 @@
                 <a:spcPct val="90000"/>
               </a:lnSpc>
             </a:pPr>
-            <a:endParaRPr lang="en-US" altLang="zh-CN" dirty="0" smtClean="0"/>
+            <a:endParaRPr lang="en-US" altLang="zh-CN" sz="2400" dirty="0" smtClean="0"/>
           </a:p>
           <a:p>
             <a:pPr lvl="1">
@@ -14462,10 +14466,10 @@
               <a:buChar char="l"/>
             </a:pPr>
             <a:r>
-              <a:rPr lang="zh-CN" altLang="en-US" dirty="0" smtClean="0"/>
+              <a:rPr lang="zh-CN" altLang="en-US" sz="2400" dirty="0" smtClean="0"/>
               <a:t>基本格式</a:t>
             </a:r>
-            <a:endParaRPr lang="en-US" altLang="zh-CN" dirty="0" smtClean="0"/>
+            <a:endParaRPr lang="en-US" altLang="zh-CN" sz="2400" dirty="0" smtClean="0"/>
           </a:p>
           <a:p>
             <a:pPr lvl="1">
@@ -14475,35 +14479,35 @@
               <a:buNone/>
             </a:pPr>
             <a:r>
-              <a:rPr lang="zh-CN" altLang="en-US" dirty="0" smtClean="0"/>
+              <a:rPr lang="zh-CN" altLang="en-US" sz="2400" dirty="0" smtClean="0"/>
               <a:t/>
             </a:r>
             <a:br>
-              <a:rPr lang="zh-CN" altLang="en-US" dirty="0" smtClean="0"/>
+              <a:rPr lang="zh-CN" altLang="en-US" sz="2400" dirty="0" smtClean="0"/>
             </a:br>
             <a:r>
-              <a:rPr lang="en-US" altLang="zh-CN" dirty="0" smtClean="0"/>
+              <a:rPr lang="en-US" altLang="zh-CN" sz="2400" dirty="0" smtClean="0"/>
               <a:t> while</a:t>
             </a:r>
             <a:r>
-              <a:rPr lang="zh-CN" altLang="en-US" dirty="0" smtClean="0"/>
+              <a:rPr lang="zh-CN" altLang="en-US" sz="2400" dirty="0" smtClean="0"/>
               <a:t>（条件）</a:t>
             </a:r>
             <a:br>
-              <a:rPr lang="zh-CN" altLang="en-US" dirty="0" smtClean="0"/>
+              <a:rPr lang="zh-CN" altLang="en-US" sz="2400" dirty="0" smtClean="0"/>
             </a:br>
             <a:r>
-              <a:rPr lang="en-US" altLang="zh-CN" dirty="0" smtClean="0"/>
+              <a:rPr lang="en-US" altLang="zh-CN" sz="2400" dirty="0" smtClean="0"/>
               <a:t>	  </a:t>
             </a:r>
             <a:r>
-              <a:rPr lang="zh-CN" altLang="en-US" dirty="0" smtClean="0"/>
+              <a:rPr lang="zh-CN" altLang="en-US" sz="2400" dirty="0" smtClean="0"/>
               <a:t>语句集；</a:t>
             </a:r>
             <a:br>
-              <a:rPr lang="zh-CN" altLang="en-US" dirty="0" smtClean="0"/>
+              <a:rPr lang="zh-CN" altLang="en-US" sz="2400" dirty="0" smtClean="0"/>
             </a:br>
-            <a:endParaRPr lang="en-US" altLang="zh-CN" dirty="0" smtClean="0"/>
+            <a:endParaRPr lang="en-US" altLang="zh-CN" sz="2400" dirty="0" smtClean="0"/>
           </a:p>
           <a:p>
             <a:pPr lvl="1">
@@ -14514,17 +14518,17 @@
               <a:buChar char="l"/>
             </a:pPr>
             <a:r>
-              <a:rPr lang="zh-CN" altLang="en-US" dirty="0" smtClean="0"/>
+              <a:rPr lang="zh-CN" altLang="en-US" sz="2400" dirty="0" smtClean="0"/>
               <a:t>功能：当条件成立时，执行语句集，否则跳出循环体。</a:t>
             </a:r>
-            <a:endParaRPr lang="en-US" altLang="zh-CN" dirty="0" smtClean="0"/>
+            <a:endParaRPr lang="en-US" altLang="zh-CN" sz="2400" dirty="0" smtClean="0"/>
           </a:p>
         </p:txBody>
       </p:sp>
     </p:spTree>
     <p:extLst>
       <p:ext uri="{BB962C8B-B14F-4D97-AF65-F5344CB8AC3E}">
-        <p14:creationId xmlns="" xmlns:p14="http://schemas.microsoft.com/office/powerpoint/2010/main" val="2036312712"/>
+        <p14:creationId xmlns:p14="http://schemas.microsoft.com/office/powerpoint/2010/main" xmlns="" val="2036312712"/>
       </p:ext>
     </p:extLst>
   </p:cSld>
@@ -14707,7 +14711,7 @@
     </p:spTree>
     <p:extLst>
       <p:ext uri="{BB962C8B-B14F-4D97-AF65-F5344CB8AC3E}">
-        <p14:creationId xmlns="" xmlns:p14="http://schemas.microsoft.com/office/powerpoint/2010/main" val="1605300514"/>
+        <p14:creationId xmlns:p14="http://schemas.microsoft.com/office/powerpoint/2010/main" xmlns="" val="1605300514"/>
       </p:ext>
     </p:extLst>
   </p:cSld>
@@ -14873,19 +14877,19 @@
               </a:lnSpc>
             </a:pPr>
             <a:r>
-              <a:rPr lang="zh-CN" altLang="en-US" dirty="0" smtClean="0"/>
+              <a:rPr lang="zh-CN" altLang="en-US" sz="2400" dirty="0" smtClean="0"/>
               <a:t>循环语句中的</a:t>
             </a:r>
             <a:r>
-              <a:rPr lang="en-US" altLang="zh-CN" dirty="0" smtClean="0"/>
+              <a:rPr lang="en-US" altLang="zh-CN" sz="2400" dirty="0" smtClean="0"/>
               <a:t>break</a:t>
             </a:r>
             <a:r>
-              <a:rPr lang="zh-CN" altLang="en-US" dirty="0" smtClean="0"/>
+              <a:rPr lang="zh-CN" altLang="en-US" sz="2400" dirty="0" smtClean="0"/>
               <a:t>和</a:t>
             </a:r>
             <a:r>
-              <a:rPr lang="en-US" altLang="zh-CN" dirty="0" smtClean="0"/>
+              <a:rPr lang="en-US" altLang="zh-CN" sz="2400" dirty="0" smtClean="0"/>
               <a:t>continue</a:t>
             </a:r>
           </a:p>
@@ -14895,7 +14899,7 @@
                 <a:spcPct val="90000"/>
               </a:lnSpc>
             </a:pPr>
-            <a:endParaRPr lang="en-US" altLang="zh-CN" dirty="0" smtClean="0"/>
+            <a:endParaRPr lang="en-US" altLang="zh-CN" sz="2400" dirty="0" smtClean="0"/>
           </a:p>
           <a:p>
             <a:pPr lvl="1">
@@ -14906,7 +14910,7 @@
               <a:buChar char="l"/>
             </a:pPr>
             <a:r>
-              <a:rPr lang="en-US" altLang="zh-CN" dirty="0" smtClean="0"/>
+              <a:rPr lang="en-US" altLang="zh-CN" sz="2400" dirty="0" smtClean="0"/>
               <a:t>break</a:t>
             </a:r>
           </a:p>
@@ -14918,24 +14922,24 @@
               <a:buNone/>
             </a:pPr>
             <a:r>
-              <a:rPr lang="zh-CN" altLang="en-US" dirty="0" smtClean="0"/>
+              <a:rPr lang="zh-CN" altLang="en-US" sz="2400" dirty="0" smtClean="0"/>
               <a:t/>
             </a:r>
             <a:br>
-              <a:rPr lang="zh-CN" altLang="en-US" dirty="0" smtClean="0"/>
+              <a:rPr lang="zh-CN" altLang="en-US" sz="2400" dirty="0" smtClean="0"/>
             </a:br>
             <a:r>
-              <a:rPr lang="en-US" altLang="zh-CN" dirty="0" smtClean="0"/>
+              <a:rPr lang="en-US" altLang="zh-CN" sz="2400" dirty="0" smtClean="0"/>
               <a:t> </a:t>
             </a:r>
             <a:r>
-              <a:rPr lang="zh-CN" altLang="en-US" dirty="0" smtClean="0"/>
+              <a:rPr lang="zh-CN" altLang="en-US" sz="2400" dirty="0" smtClean="0"/>
               <a:t>跳出循环</a:t>
             </a:r>
             <a:br>
-              <a:rPr lang="zh-CN" altLang="en-US" dirty="0" smtClean="0"/>
+              <a:rPr lang="zh-CN" altLang="en-US" sz="2400" dirty="0" smtClean="0"/>
             </a:br>
-            <a:endParaRPr lang="en-US" altLang="zh-CN" dirty="0" smtClean="0"/>
+            <a:endParaRPr lang="en-US" altLang="zh-CN" sz="2400" dirty="0" smtClean="0"/>
           </a:p>
           <a:p>
             <a:pPr lvl="1">
@@ -14946,14 +14950,9 @@
               <a:buChar char="l"/>
             </a:pPr>
             <a:r>
-              <a:rPr lang="en-US" altLang="zh-CN" dirty="0" smtClean="0"/>
-              <a:t>c</a:t>
-            </a:r>
-            <a:r>
-              <a:rPr lang="en-US" altLang="zh-CN" dirty="0" smtClean="0"/>
-              <a:t>ontinue</a:t>
-            </a:r>
-            <a:endParaRPr lang="en-US" altLang="zh-CN" dirty="0" smtClean="0"/>
+              <a:rPr lang="en-US" altLang="zh-CN" sz="2400" dirty="0" smtClean="0"/>
+              <a:t>continue</a:t>
+            </a:r>
           </a:p>
           <a:p>
             <a:pPr lvl="1">
@@ -14963,21 +14962,21 @@
               <a:buNone/>
             </a:pPr>
             <a:r>
-              <a:rPr lang="en-US" altLang="zh-CN" dirty="0" smtClean="0"/>
+              <a:rPr lang="en-US" altLang="zh-CN" sz="2400" dirty="0" smtClean="0"/>
               <a:t>	</a:t>
             </a:r>
             <a:r>
-              <a:rPr lang="zh-CN" altLang="en-US" dirty="0" smtClean="0"/>
+              <a:rPr lang="zh-CN" altLang="en-US" sz="2400" dirty="0" smtClean="0"/>
               <a:t>跳过剩余语句，进入下一循环</a:t>
             </a:r>
-            <a:endParaRPr lang="en-US" altLang="zh-CN" dirty="0" smtClean="0"/>
+            <a:endParaRPr lang="en-US" altLang="zh-CN" sz="2400" dirty="0" smtClean="0"/>
           </a:p>
         </p:txBody>
       </p:sp>
     </p:spTree>
     <p:extLst>
       <p:ext uri="{BB962C8B-B14F-4D97-AF65-F5344CB8AC3E}">
-        <p14:creationId xmlns="" xmlns:p14="http://schemas.microsoft.com/office/powerpoint/2010/main" val="2036312712"/>
+        <p14:creationId xmlns:p14="http://schemas.microsoft.com/office/powerpoint/2010/main" xmlns="" val="2036312712"/>
       </p:ext>
     </p:extLst>
   </p:cSld>
@@ -15147,10 +15146,9 @@
               </a:lnSpc>
             </a:pPr>
             <a:r>
-              <a:rPr lang="en-US" altLang="zh-CN" dirty="0" smtClean="0"/>
+              <a:rPr lang="en-US" altLang="zh-CN" sz="2400" dirty="0" smtClean="0"/>
               <a:t>Console Tab</a:t>
             </a:r>
-            <a:endParaRPr lang="en-US" altLang="zh-CN" dirty="0" smtClean="0"/>
           </a:p>
           <a:p>
             <a:pPr lvl="1">
@@ -15159,12 +15157,8 @@
               </a:lnSpc>
             </a:pPr>
             <a:r>
-              <a:rPr lang="en-US" altLang="zh-CN" dirty="0" smtClean="0"/>
-              <a:t>c</a:t>
-            </a:r>
-            <a:r>
-              <a:rPr lang="en-US" altLang="zh-CN" dirty="0" smtClean="0"/>
-              <a:t>ategories</a:t>
+              <a:rPr lang="en-US" altLang="zh-CN" sz="2400" dirty="0" smtClean="0"/>
+              <a:t>categories</a:t>
             </a:r>
           </a:p>
           <a:p>
@@ -15174,7 +15168,7 @@
               </a:lnSpc>
             </a:pPr>
             <a:r>
-              <a:rPr lang="en-US" altLang="zh-CN" dirty="0" smtClean="0"/>
+              <a:rPr lang="en-US" altLang="zh-CN" sz="2400" dirty="0" smtClean="0"/>
               <a:t>execute</a:t>
             </a:r>
           </a:p>
@@ -15184,7 +15178,7 @@
                 <a:spcPct val="90000"/>
               </a:lnSpc>
             </a:pPr>
-            <a:endParaRPr lang="en-US" altLang="zh-CN" dirty="0" smtClean="0"/>
+            <a:endParaRPr lang="en-US" altLang="zh-CN" sz="2400" dirty="0" smtClean="0"/>
           </a:p>
           <a:p>
             <a:pPr>
@@ -15193,7 +15187,7 @@
               </a:lnSpc>
             </a:pPr>
             <a:r>
-              <a:rPr lang="en-US" altLang="zh-CN" dirty="0" smtClean="0"/>
+              <a:rPr lang="en-US" altLang="zh-CN" sz="2400" dirty="0" smtClean="0"/>
               <a:t> Script Tab</a:t>
             </a:r>
           </a:p>
@@ -15206,7 +15200,7 @@
               <a:buChar char="l"/>
             </a:pPr>
             <a:r>
-              <a:rPr lang="en-US" altLang="zh-CN" dirty="0" smtClean="0"/>
+              <a:rPr lang="en-US" altLang="zh-CN" sz="2400" dirty="0" smtClean="0"/>
               <a:t>Break point</a:t>
             </a:r>
           </a:p>
@@ -15219,12 +15213,8 @@
               <a:buChar char="l"/>
             </a:pPr>
             <a:r>
-              <a:rPr lang="en-US" altLang="zh-CN" dirty="0" smtClean="0"/>
-              <a:t>c</a:t>
-            </a:r>
-            <a:r>
-              <a:rPr lang="en-US" altLang="zh-CN" dirty="0" smtClean="0"/>
-              <a:t>all stack</a:t>
+              <a:rPr lang="en-US" altLang="zh-CN" sz="2400" dirty="0" smtClean="0"/>
+              <a:t>call stack</a:t>
             </a:r>
           </a:p>
           <a:p>
@@ -15236,17 +15226,16 @@
               <a:buChar char="l"/>
             </a:pPr>
             <a:r>
-              <a:rPr lang="en-US" altLang="zh-CN" dirty="0" smtClean="0"/>
+              <a:rPr lang="en-US" altLang="zh-CN" sz="2400" dirty="0" smtClean="0"/>
               <a:t>watch</a:t>
             </a:r>
-            <a:endParaRPr lang="en-US" altLang="zh-CN" dirty="0" smtClean="0"/>
           </a:p>
         </p:txBody>
       </p:sp>
     </p:spTree>
     <p:extLst>
       <p:ext uri="{BB962C8B-B14F-4D97-AF65-F5344CB8AC3E}">
-        <p14:creationId xmlns="" xmlns:p14="http://schemas.microsoft.com/office/powerpoint/2010/main" val="2036312712"/>
+        <p14:creationId xmlns:p14="http://schemas.microsoft.com/office/powerpoint/2010/main" xmlns="" val="2036312712"/>
       </p:ext>
     </p:extLst>
   </p:cSld>
@@ -15414,23 +15403,7 @@
             </a:pPr>
             <a:r>
               <a:rPr lang="zh-CN" altLang="en-US" sz="2400" dirty="0" smtClean="0"/>
-              <a:t>程序逻辑过于复杂时，根据</a:t>
-            </a:r>
-            <a:r>
-              <a:rPr lang="zh-CN" altLang="en-US" sz="2400" dirty="0" smtClean="0"/>
-              <a:t>所要完成的功能，将程序划分为</a:t>
-            </a:r>
-            <a:r>
-              <a:rPr lang="zh-CN" altLang="en-US" sz="2400" dirty="0" smtClean="0"/>
-              <a:t>一些相对</a:t>
-            </a:r>
-            <a:r>
-              <a:rPr lang="zh-CN" altLang="en-US" sz="2400" dirty="0" smtClean="0"/>
-              <a:t>独立的部分，每部分编写一个函数</a:t>
-            </a:r>
-            <a:r>
-              <a:rPr lang="zh-CN" altLang="en-US" sz="2400" dirty="0" smtClean="0"/>
-              <a:t>。</a:t>
+              <a:t>程序逻辑过于复杂时，根据所要完成的功能，将程序划分为一些相对独立的部分，每部分编写一个函数。</a:t>
             </a:r>
             <a:endParaRPr lang="en-US" altLang="zh-CN" sz="2400" dirty="0" smtClean="0"/>
           </a:p>
@@ -15453,15 +15426,7 @@
             </a:pPr>
             <a:r>
               <a:rPr lang="zh-CN" altLang="en-US" sz="2400" dirty="0" smtClean="0"/>
-              <a:t>任务</a:t>
-            </a:r>
-            <a:r>
-              <a:rPr lang="zh-CN" altLang="en-US" sz="2400" dirty="0" smtClean="0"/>
-              <a:t>单一</a:t>
-            </a:r>
-            <a:r>
-              <a:rPr lang="zh-CN" altLang="en-US" sz="2400" dirty="0" smtClean="0"/>
-              <a:t>，逻辑清晰</a:t>
+              <a:t>任务单一，逻辑清晰</a:t>
             </a:r>
             <a:endParaRPr lang="en-US" altLang="zh-CN" sz="2400" dirty="0" smtClean="0"/>
           </a:p>
@@ -15475,15 +15440,7 @@
             </a:pPr>
             <a:r>
               <a:rPr lang="zh-CN" altLang="en-US" sz="2400" dirty="0" smtClean="0"/>
-              <a:t>易读</a:t>
-            </a:r>
-            <a:r>
-              <a:rPr lang="zh-CN" altLang="en-US" sz="2400" dirty="0" smtClean="0"/>
-              <a:t>、易维护</a:t>
-            </a:r>
-            <a:r>
-              <a:rPr lang="zh-CN" altLang="en-US" sz="2400" dirty="0" smtClean="0"/>
-              <a:t>。</a:t>
+              <a:t>易读、易维护。</a:t>
             </a:r>
             <a:endParaRPr lang="en-US" altLang="zh-CN" sz="2400" dirty="0" smtClean="0"/>
           </a:p>
@@ -15506,7 +15463,7 @@
     </p:spTree>
     <p:extLst>
       <p:ext uri="{BB962C8B-B14F-4D97-AF65-F5344CB8AC3E}">
-        <p14:creationId xmlns="" xmlns:p14="http://schemas.microsoft.com/office/powerpoint/2010/main" val="2036312712"/>
+        <p14:creationId xmlns:p14="http://schemas.microsoft.com/office/powerpoint/2010/main" xmlns="" val="2036312712"/>
       </p:ext>
     </p:extLst>
   </p:cSld>
@@ -15689,6 +15646,15 @@
             <a:endParaRPr lang="en-US" altLang="zh-CN" sz="2400" dirty="0" smtClean="0"/>
           </a:p>
           <a:p>
+            <a:pPr lvl="1">
+              <a:lnSpc>
+                <a:spcPct val="90000"/>
+              </a:lnSpc>
+              <a:buNone/>
+            </a:pPr>
+            <a:endParaRPr lang="en-US" altLang="zh-CN" sz="2200" dirty="0" smtClean="0"/>
+          </a:p>
+          <a:p>
             <a:pPr>
               <a:lnSpc>
                 <a:spcPct val="90000"/>
@@ -15706,6 +15672,14 @@
               <a:buFont typeface="Wingdings" pitchFamily="2" charset="2"/>
               <a:buChar char="l"/>
             </a:pPr>
+            <a:r>
+              <a:rPr lang="en-US" altLang="zh-CN" sz="2400" dirty="0" smtClean="0"/>
+              <a:t>argument</a:t>
+            </a:r>
+            <a:r>
+              <a:rPr lang="zh-CN" altLang="en-US" sz="2400" dirty="0" smtClean="0"/>
+              <a:t>关键字</a:t>
+            </a:r>
             <a:endParaRPr lang="en-US" altLang="zh-CN" sz="2400" dirty="0" smtClean="0"/>
           </a:p>
           <a:p>
@@ -15713,28 +15687,6 @@
               <a:lnSpc>
                 <a:spcPct val="90000"/>
               </a:lnSpc>
-              <a:buFont typeface="Wingdings" pitchFamily="2" charset="2"/>
-              <a:buChar char="l"/>
-            </a:pPr>
-            <a:r>
-              <a:rPr lang="en-US" altLang="zh-CN" sz="2400" dirty="0" smtClean="0"/>
-              <a:t>a</a:t>
-            </a:r>
-            <a:r>
-              <a:rPr lang="en-US" altLang="zh-CN" sz="2400" dirty="0" smtClean="0"/>
-              <a:t>rgument</a:t>
-            </a:r>
-            <a:r>
-              <a:rPr lang="zh-CN" altLang="en-US" sz="2400" dirty="0" smtClean="0"/>
-              <a:t>关键字</a:t>
-            </a:r>
-            <a:endParaRPr lang="en-US" altLang="zh-CN" sz="2400" dirty="0" smtClean="0"/>
-          </a:p>
-          <a:p>
-            <a:pPr>
-              <a:lnSpc>
-                <a:spcPct val="90000"/>
-              </a:lnSpc>
               <a:buNone/>
             </a:pPr>
             <a:endParaRPr lang="en-US" altLang="zh-CN" sz="2400" dirty="0" smtClean="0"/>
@@ -15744,7 +15696,7 @@
     </p:spTree>
     <p:extLst>
       <p:ext uri="{BB962C8B-B14F-4D97-AF65-F5344CB8AC3E}">
-        <p14:creationId xmlns="" xmlns:p14="http://schemas.microsoft.com/office/powerpoint/2010/main" val="2036312712"/>
+        <p14:creationId xmlns:p14="http://schemas.microsoft.com/office/powerpoint/2010/main" xmlns="" val="2036312712"/>
       </p:ext>
     </p:extLst>
   </p:cSld>
@@ -15922,11 +15874,7 @@
             </a:pPr>
             <a:r>
               <a:rPr lang="en-US" altLang="zh-CN" sz="2400" dirty="0" smtClean="0"/>
-              <a:t>r</a:t>
-            </a:r>
-            <a:r>
-              <a:rPr lang="en-US" altLang="zh-CN" sz="2400" dirty="0" smtClean="0"/>
-              <a:t>eturn</a:t>
+              <a:t>return</a:t>
             </a:r>
             <a:r>
               <a:rPr lang="zh-CN" altLang="en-US" sz="2400" dirty="0" smtClean="0"/>
@@ -15976,16 +15924,44 @@
               <a:buChar char="l"/>
             </a:pPr>
             <a:r>
-              <a:rPr lang="zh-CN" altLang="en-US" sz="2400" dirty="0" smtClean="0"/>
-              <a:t>利用</a:t>
-            </a:r>
-            <a:r>
               <a:rPr lang="en-US" altLang="zh-CN" sz="2400" dirty="0" smtClean="0"/>
               <a:t>apply</a:t>
             </a:r>
             <a:r>
               <a:rPr lang="zh-CN" altLang="en-US" sz="2400" dirty="0" smtClean="0"/>
-              <a:t>解决参数传递问题</a:t>
+              <a:t>调用方式</a:t>
+            </a:r>
+            <a:endParaRPr lang="en-US" altLang="zh-CN" sz="2400" dirty="0" smtClean="0"/>
+          </a:p>
+          <a:p>
+            <a:pPr>
+              <a:lnSpc>
+                <a:spcPct val="90000"/>
+              </a:lnSpc>
+              <a:buFont typeface="Wingdings" pitchFamily="2" charset="2"/>
+              <a:buChar char="l"/>
+            </a:pPr>
+            <a:endParaRPr lang="en-US" altLang="zh-CN" sz="2400" dirty="0" smtClean="0"/>
+          </a:p>
+          <a:p>
+            <a:pPr>
+              <a:lnSpc>
+                <a:spcPct val="90000"/>
+              </a:lnSpc>
+              <a:buFont typeface="Wingdings" pitchFamily="2" charset="2"/>
+              <a:buChar char="l"/>
+            </a:pPr>
+            <a:r>
+              <a:rPr lang="en-US" altLang="zh-CN" sz="2400" dirty="0" smtClean="0"/>
+              <a:t>n</a:t>
+            </a:r>
+            <a:r>
+              <a:rPr lang="en-US" altLang="zh-CN" sz="2400" dirty="0" smtClean="0"/>
+              <a:t>ew</a:t>
+            </a:r>
+            <a:r>
+              <a:rPr lang="zh-CN" altLang="en-US" sz="2400" dirty="0" smtClean="0"/>
+              <a:t>调用方式</a:t>
             </a:r>
             <a:endParaRPr lang="en-US" altLang="zh-CN" sz="2400" dirty="0" smtClean="0"/>
           </a:p>
@@ -15994,7 +15970,7 @@
     </p:spTree>
     <p:extLst>
       <p:ext uri="{BB962C8B-B14F-4D97-AF65-F5344CB8AC3E}">
-        <p14:creationId xmlns="" xmlns:p14="http://schemas.microsoft.com/office/powerpoint/2010/main" val="2036312712"/>
+        <p14:creationId xmlns:p14="http://schemas.microsoft.com/office/powerpoint/2010/main" xmlns="" val="2036312712"/>
       </p:ext>
     </p:extLst>
   </p:cSld>
@@ -16124,38 +16100,62 @@
           <a:p>
             <a:r>
               <a:rPr lang="zh-CN" altLang="en-US" sz="4400" dirty="0" smtClean="0"/>
-              <a:t>对象</a:t>
-            </a:r>
-            <a:r>
-              <a:rPr lang="en-US" altLang="zh-CN" sz="4400" dirty="0" smtClean="0"/>
+              <a:t>练习：</a:t>
+            </a:r>
+            <a:r>
+              <a:rPr lang="en-US" sz="4400" dirty="0" smtClean="0"/>
+              <a:t>Fibonacci sequence</a:t>
+            </a:r>
+            <a:r>
+              <a:rPr lang="en-US" altLang="zh-CN" sz="4400" dirty="0"/>
               <a:t/>
             </a:r>
             <a:br>
-              <a:rPr lang="en-US" altLang="zh-CN" sz="4400" dirty="0" smtClean="0"/>
+              <a:rPr lang="en-US" altLang="zh-CN" sz="4400" dirty="0"/>
             </a:br>
-            <a:r>
-              <a:rPr lang="en-US" altLang="zh-CN" sz="4400" dirty="0" smtClean="0"/>
-              <a:t>	</a:t>
-            </a:r>
-            <a:r>
-              <a:rPr lang="en-US" altLang="zh-CN" sz="4400" dirty="0" smtClean="0"/>
-              <a:t>		</a:t>
-            </a:r>
             <a:endParaRPr lang="en-US" dirty="0"/>
           </a:p>
         </p:txBody>
       </p:sp>
-      <p:sp>
-        <p:nvSpPr>
-          <p:cNvPr id="7" name="Rectangle 3"/>
-          <p:cNvSpPr>
-            <a:spLocks noGrp="1" noChangeArrowheads="1"/>
-          </p:cNvSpPr>
-          <p:nvPr>
-            <p:ph idx="1"/>
-          </p:nvPr>
-        </p:nvSpPr>
-        <p:spPr/>
+      <p:pic>
+        <p:nvPicPr>
+          <p:cNvPr id="4" name="内容占位符 3" descr="fb.jpg"/>
+          <p:cNvPicPr>
+            <a:picLocks noGrp="1" noChangeAspect="1"/>
+          </p:cNvPicPr>
+          <p:nvPr>
+            <p:ph sz="half" idx="1"/>
+          </p:nvPr>
+        </p:nvPicPr>
+        <p:blipFill>
+          <a:blip r:embed="rId3"/>
+          <a:stretch>
+            <a:fillRect/>
+          </a:stretch>
+        </p:blipFill>
+        <p:spPr>
+          <a:xfrm>
+            <a:off x="1293811" y="2253298"/>
+            <a:ext cx="5571754" cy="4200245"/>
+          </a:xfrm>
+        </p:spPr>
+      </p:pic>
+      <p:sp>
+        <p:nvSpPr>
+          <p:cNvPr id="5" name="内容占位符 4"/>
+          <p:cNvSpPr>
+            <a:spLocks noGrp="1"/>
+          </p:cNvSpPr>
+          <p:nvPr>
+            <p:ph sz="half" idx="2"/>
+          </p:nvPr>
+        </p:nvSpPr>
+        <p:spPr>
+          <a:xfrm>
+            <a:off x="8362950" y="2743202"/>
+            <a:ext cx="3600450" cy="2706408"/>
+          </a:xfrm>
+        </p:spPr>
         <p:txBody>
           <a:bodyPr>
             <a:normAutofit/>
@@ -16163,70 +16163,52 @@
           <a:lstStyle/>
           <a:p>
             <a:pPr>
-              <a:lnSpc>
-                <a:spcPct val="90000"/>
-              </a:lnSpc>
-              <a:buFont typeface="Wingdings" pitchFamily="2" charset="2"/>
-              <a:buChar char="l"/>
+              <a:buNone/>
             </a:pPr>
-            <a:r>
-              <a:rPr lang="zh-CN" altLang="en-US" sz="2400" dirty="0" smtClean="0"/>
-              <a:t>键值对集合</a:t>
-            </a:r>
-            <a:endParaRPr lang="en-US" altLang="zh-CN" sz="2400" dirty="0" smtClean="0"/>
+            <a:endParaRPr lang="en-US" altLang="zh-CN" sz="4400" dirty="0" smtClean="0"/>
           </a:p>
           <a:p>
             <a:pPr>
-              <a:lnSpc>
-                <a:spcPct val="90000"/>
-              </a:lnSpc>
-              <a:buFont typeface="Wingdings" pitchFamily="2" charset="2"/>
-              <a:buChar char="l"/>
+              <a:buNone/>
             </a:pPr>
-            <a:endParaRPr lang="en-US" altLang="zh-CN" sz="2400" dirty="0" smtClean="0"/>
+            <a:endParaRPr lang="en-US" altLang="zh-CN" sz="4400" dirty="0" smtClean="0"/>
           </a:p>
           <a:p>
             <a:pPr>
-              <a:lnSpc>
-                <a:spcPct val="90000"/>
-              </a:lnSpc>
-              <a:buFont typeface="Wingdings" pitchFamily="2" charset="2"/>
-              <a:buChar char="l"/>
+              <a:buNone/>
             </a:pPr>
             <a:r>
-              <a:rPr lang="en-US" altLang="zh-CN" sz="2400" dirty="0" smtClean="0"/>
-              <a:t>Object</a:t>
-            </a:r>
-          </a:p>
-          <a:p>
-            <a:pPr>
-              <a:lnSpc>
-                <a:spcPct val="90000"/>
-              </a:lnSpc>
-              <a:buFont typeface="Wingdings" pitchFamily="2" charset="2"/>
-              <a:buChar char="l"/>
-            </a:pPr>
-            <a:endParaRPr lang="en-US" altLang="zh-CN" sz="2400" dirty="0" smtClean="0"/>
-          </a:p>
-          <a:p>
-            <a:pPr>
-              <a:lnSpc>
-                <a:spcPct val="90000"/>
-              </a:lnSpc>
-              <a:buFont typeface="Wingdings" pitchFamily="2" charset="2"/>
-              <a:buChar char="l"/>
-            </a:pPr>
-            <a:r>
-              <a:rPr lang="en-US" altLang="zh-CN" sz="2400" dirty="0" smtClean="0"/>
-              <a:t>JSON</a:t>
-            </a:r>
+              <a:rPr lang="en-US" altLang="zh-CN" sz="4400" dirty="0" smtClean="0"/>
+              <a:t>F</a:t>
+            </a:r>
+            <a:r>
+              <a:rPr lang="zh-CN" altLang="en-US" sz="4400" dirty="0" smtClean="0"/>
+              <a:t>（</a:t>
+            </a:r>
+            <a:r>
+              <a:rPr lang="en-US" altLang="zh-CN" sz="4400" dirty="0" smtClean="0"/>
+              <a:t>10</a:t>
+            </a:r>
+            <a:r>
+              <a:rPr lang="zh-CN" altLang="en-US" sz="4400" dirty="0" smtClean="0"/>
+              <a:t>）</a:t>
+            </a:r>
+            <a:r>
+              <a:rPr lang="en-US" altLang="zh-CN" sz="4400" dirty="0" smtClean="0"/>
+              <a:t>=</a:t>
+            </a:r>
+            <a:r>
+              <a:rPr lang="zh-CN" altLang="en-US" sz="4400" dirty="0" smtClean="0"/>
+              <a:t>？</a:t>
+            </a:r>
+            <a:endParaRPr lang="zh-CN" altLang="en-US" sz="4400" dirty="0"/>
           </a:p>
         </p:txBody>
       </p:sp>
     </p:spTree>
     <p:extLst>
       <p:ext uri="{BB962C8B-B14F-4D97-AF65-F5344CB8AC3E}">
-        <p14:creationId xmlns="" xmlns:p14="http://schemas.microsoft.com/office/powerpoint/2010/main" val="2036312712"/>
+        <p14:creationId xmlns:p14="http://schemas.microsoft.com/office/powerpoint/2010/main" xmlns="" val="2036312712"/>
       </p:ext>
     </p:extLst>
   </p:cSld>
@@ -16355,146 +16337,47 @@
           <a:lstStyle/>
           <a:p>
             <a:r>
-              <a:rPr lang="zh-CN" altLang="en-US" sz="4400" smtClean="0"/>
-              <a:t>对象的属性</a:t>
-            </a:r>
-            <a:r>
-              <a:rPr lang="en-US" altLang="zh-CN" sz="4400" dirty="0" smtClean="0"/>
+              <a:rPr lang="zh-CN" altLang="en-US" sz="4400" dirty="0" smtClean="0"/>
+              <a:t>引申问题：</a:t>
+            </a:r>
+            <a:r>
+              <a:rPr lang="en-US" altLang="zh-CN" sz="4400" dirty="0"/>
               <a:t/>
             </a:r>
             <a:br>
-              <a:rPr lang="en-US" altLang="zh-CN" sz="4400" dirty="0" smtClean="0"/>
+              <a:rPr lang="en-US" altLang="zh-CN" sz="4400" dirty="0"/>
             </a:br>
-            <a:r>
-              <a:rPr lang="en-US" altLang="zh-CN" sz="4400" dirty="0" smtClean="0"/>
-              <a:t>	</a:t>
-            </a:r>
-            <a:r>
-              <a:rPr lang="en-US" altLang="zh-CN" sz="4400" dirty="0" smtClean="0"/>
-              <a:t>		</a:t>
-            </a:r>
             <a:endParaRPr lang="en-US" dirty="0"/>
           </a:p>
         </p:txBody>
       </p:sp>
-      <p:sp>
-        <p:nvSpPr>
-          <p:cNvPr id="7" name="Rectangle 3"/>
-          <p:cNvSpPr>
-            <a:spLocks noGrp="1" noChangeArrowheads="1"/>
-          </p:cNvSpPr>
+      <p:pic>
+        <p:nvPicPr>
+          <p:cNvPr id="10" name="内容占位符 9" descr="image.php.jpg"/>
+          <p:cNvPicPr>
+            <a:picLocks noGrp="1" noChangeAspect="1"/>
+          </p:cNvPicPr>
           <p:nvPr>
             <p:ph idx="1"/>
           </p:nvPr>
-        </p:nvSpPr>
-        <p:spPr/>
-        <p:txBody>
-          <a:bodyPr>
-            <a:normAutofit/>
-          </a:bodyPr>
-          <a:lstStyle/>
-          <a:p>
-            <a:r>
-              <a:rPr lang="zh-CN" altLang="en-US" sz="2400" dirty="0" smtClean="0"/>
-              <a:t>使用点（</a:t>
-            </a:r>
-            <a:r>
-              <a:rPr lang="en-US" altLang="zh-CN" sz="2400" dirty="0" smtClean="0"/>
-              <a:t>.</a:t>
-            </a:r>
-            <a:r>
-              <a:rPr lang="zh-CN" altLang="en-US" sz="2400" dirty="0" smtClean="0"/>
-              <a:t>）运算符</a:t>
-            </a:r>
-            <a:r>
-              <a:rPr lang="en-US" altLang="zh-CN" sz="2400" dirty="0" smtClean="0"/>
-              <a:t>: </a:t>
-            </a:r>
-            <a:r>
-              <a:rPr lang="en-US" altLang="zh-CN" sz="2400" dirty="0" smtClean="0"/>
-              <a:t>city.name=</a:t>
-            </a:r>
-            <a:r>
-              <a:rPr lang="en-US" altLang="zh-CN" sz="2400" dirty="0" smtClean="0">
-                <a:latin typeface="Arial" charset="0"/>
-              </a:rPr>
-              <a:t>“Shanghai</a:t>
-            </a:r>
-            <a:r>
-              <a:rPr lang="zh-CN" altLang="en-US" sz="2400" dirty="0" smtClean="0">
-                <a:latin typeface="Arial" charset="0"/>
-              </a:rPr>
-              <a:t>”</a:t>
-            </a:r>
-            <a:r>
-              <a:rPr lang="zh-CN" altLang="en-US" sz="2400" dirty="0" smtClean="0"/>
-              <a:t> </a:t>
-            </a:r>
-            <a:endParaRPr lang="en-US" altLang="zh-CN" sz="2400" dirty="0" smtClean="0"/>
-          </a:p>
-          <a:p>
-            <a:pPr>
-              <a:buNone/>
-            </a:pPr>
-            <a:endParaRPr lang="en-US" altLang="zh-CN" sz="2400" dirty="0" smtClean="0"/>
-          </a:p>
-          <a:p>
-            <a:endParaRPr lang="en-US" altLang="zh-CN" sz="2400" dirty="0" smtClean="0"/>
-          </a:p>
-          <a:p>
-            <a:endParaRPr lang="en-US" altLang="zh-CN" sz="2400" dirty="0" smtClean="0"/>
-          </a:p>
-          <a:p>
-            <a:r>
-              <a:rPr lang="zh-CN" altLang="en-US" sz="2400" dirty="0" smtClean="0"/>
-              <a:t>通过</a:t>
-            </a:r>
-            <a:r>
-              <a:rPr lang="zh-CN" altLang="en-US" sz="2400" dirty="0" smtClean="0"/>
-              <a:t>字符串的形式实现 </a:t>
-            </a:r>
-            <a:r>
-              <a:rPr lang="en-US" altLang="zh-CN" sz="2400" dirty="0" smtClean="0"/>
-              <a:t>: </a:t>
-            </a:r>
-            <a:r>
-              <a:rPr lang="en-US" altLang="zh-CN" sz="2400" dirty="0" smtClean="0"/>
-              <a:t>city[“Name”]=</a:t>
-            </a:r>
-            <a:r>
-              <a:rPr lang="en-US" altLang="zh-CN" sz="2400" dirty="0" smtClean="0">
-                <a:latin typeface="Arial" charset="0"/>
-              </a:rPr>
-              <a:t>“</a:t>
-            </a:r>
-            <a:r>
-              <a:rPr lang="zh-CN" altLang="en-US" sz="2400" dirty="0" smtClean="0">
-                <a:latin typeface="Arial" charset="0"/>
-              </a:rPr>
-              <a:t>上海”</a:t>
-            </a:r>
-            <a:r>
-              <a:rPr lang="zh-CN" altLang="en-US" sz="2400" dirty="0" smtClean="0"/>
-              <a:t> </a:t>
-            </a:r>
-            <a:endParaRPr lang="zh-CN" altLang="en-US" sz="2400" dirty="0" smtClean="0"/>
-          </a:p>
-          <a:p>
-            <a:pPr>
-              <a:lnSpc>
-                <a:spcPct val="90000"/>
-              </a:lnSpc>
-              <a:buFont typeface="Wingdings" pitchFamily="2" charset="2"/>
-              <a:buChar char="l"/>
-            </a:pPr>
-            <a:endParaRPr lang="en-US" altLang="zh-CN" sz="2400" dirty="0" smtClean="0"/>
-          </a:p>
-        </p:txBody>
-      </p:sp>
+        </p:nvPicPr>
+        <p:blipFill>
+          <a:blip r:embed="rId3"/>
+          <a:stretch>
+            <a:fillRect/>
+          </a:stretch>
+        </p:blipFill>
+        <p:spPr>
+          <a:xfrm>
+            <a:off x="2022920" y="1620679"/>
+            <a:ext cx="8027914" cy="4337552"/>
+          </a:xfrm>
+        </p:spPr>
+      </p:pic>
     </p:spTree>
     <p:extLst>
       <p:ext uri="{BB962C8B-B14F-4D97-AF65-F5344CB8AC3E}">
-        <p14:creationId xmlns="" xmlns:p14="http://schemas.microsoft.com/office/powerpoint/2010/main" val="2036312712"/>
+        <p14:creationId xmlns:p14="http://schemas.microsoft.com/office/powerpoint/2010/main" xmlns="" val="2036312712"/>
       </p:ext>
     </p:extLst>
   </p:cSld>
@@ -16624,7 +16507,7 @@
           <a:p>
             <a:r>
               <a:rPr lang="zh-CN" altLang="en-US" sz="4400" dirty="0" smtClean="0"/>
-              <a:t>面向对象的编程</a:t>
+              <a:t>对象</a:t>
             </a:r>
             <a:r>
               <a:rPr lang="en-US" altLang="zh-CN" sz="4400" dirty="0" smtClean="0"/>
@@ -16635,11 +16518,7 @@
             </a:br>
             <a:r>
               <a:rPr lang="en-US" altLang="zh-CN" sz="4400" dirty="0" smtClean="0"/>
-              <a:t>	</a:t>
-            </a:r>
-            <a:r>
-              <a:rPr lang="en-US" altLang="zh-CN" sz="4400" dirty="0" smtClean="0"/>
-              <a:t>		</a:t>
+              <a:t>			</a:t>
             </a:r>
             <a:endParaRPr lang="en-US" dirty="0"/>
           </a:p>
@@ -16671,7 +16550,7 @@
             </a:pPr>
             <a:r>
               <a:rPr lang="zh-CN" altLang="en-US" sz="2400" dirty="0" smtClean="0"/>
-              <a:t>属性</a:t>
+              <a:t>键值对集合</a:t>
             </a:r>
             <a:endParaRPr lang="en-US" altLang="zh-CN" sz="2400" dirty="0" smtClean="0"/>
           </a:p>
@@ -16693,7 +16572,10 @@
               <a:buFont typeface="Wingdings" pitchFamily="2" charset="2"/>
               <a:buChar char="l"/>
             </a:pPr>
-            <a:endParaRPr lang="en-US" altLang="zh-CN" sz="2400" dirty="0" smtClean="0"/>
+            <a:r>
+              <a:rPr lang="en-US" altLang="zh-CN" sz="2400" dirty="0" smtClean="0"/>
+              <a:t>Object</a:t>
+            </a:r>
           </a:p>
           <a:p>
             <a:pPr>
@@ -16703,18 +16585,506 @@
               <a:buFont typeface="Wingdings" pitchFamily="2" charset="2"/>
               <a:buChar char="l"/>
             </a:pPr>
-            <a:r>
-              <a:rPr lang="zh-CN" altLang="en-US" sz="2400" dirty="0" smtClean="0"/>
-              <a:t>方法</a:t>
-            </a:r>
             <a:endParaRPr lang="en-US" altLang="zh-CN" sz="2400" dirty="0" smtClean="0"/>
+          </a:p>
+          <a:p>
+            <a:pPr>
+              <a:lnSpc>
+                <a:spcPct val="90000"/>
+              </a:lnSpc>
+              <a:buFont typeface="Wingdings" pitchFamily="2" charset="2"/>
+              <a:buChar char="l"/>
+            </a:pPr>
+            <a:r>
+              <a:rPr lang="en-US" altLang="zh-CN" sz="2400" dirty="0" smtClean="0"/>
+              <a:t>JSON</a:t>
+            </a:r>
           </a:p>
         </p:txBody>
       </p:sp>
     </p:spTree>
     <p:extLst>
       <p:ext uri="{BB962C8B-B14F-4D97-AF65-F5344CB8AC3E}">
-        <p14:creationId xmlns="" xmlns:p14="http://schemas.microsoft.com/office/powerpoint/2010/main" val="2036312712"/>
+        <p14:creationId xmlns:p14="http://schemas.microsoft.com/office/powerpoint/2010/main" xmlns="" val="2036312712"/>
+      </p:ext>
+    </p:extLst>
+  </p:cSld>
+  <p:clrMapOvr>
+    <a:masterClrMapping/>
+  </p:clrMapOvr>
+  <p:timing>
+    <p:tnLst>
+      <p:par>
+        <p:cTn id="1" dur="indefinite" restart="never" nodeType="tmRoot">
+          <p:childTnLst>
+            <p:seq concurrent="1" nextAc="seek">
+              <p:cTn id="2" dur="indefinite" nodeType="mainSeq">
+                <p:childTnLst>
+                  <p:par>
+                    <p:cTn id="3" fill="hold">
+                      <p:stCondLst>
+                        <p:cond delay="indefinite"/>
+                      </p:stCondLst>
+                      <p:childTnLst>
+                        <p:par>
+                          <p:cTn id="4" fill="hold">
+                            <p:stCondLst>
+                              <p:cond delay="0"/>
+                            </p:stCondLst>
+                            <p:childTnLst>
+                              <p:par>
+                                <p:cTn id="5" presetID="5" presetClass="entr" presetSubtype="10" fill="hold" grpId="0" nodeType="clickEffect">
+                                  <p:stCondLst>
+                                    <p:cond delay="0"/>
+                                  </p:stCondLst>
+                                  <p:childTnLst>
+                                    <p:set>
+                                      <p:cBhvr>
+                                        <p:cTn id="6" dur="1" fill="hold">
+                                          <p:stCondLst>
+                                            <p:cond delay="0"/>
+                                          </p:stCondLst>
+                                        </p:cTn>
+                                        <p:tgtEl>
+                                          <p:spTgt spid="9"/>
+                                        </p:tgtEl>
+                                        <p:attrNameLst>
+                                          <p:attrName>style.visibility</p:attrName>
+                                        </p:attrNameLst>
+                                      </p:cBhvr>
+                                      <p:to>
+                                        <p:strVal val="visible"/>
+                                      </p:to>
+                                    </p:set>
+                                    <p:animEffect transition="in" filter="checkerboard(across)">
+                                      <p:cBhvr>
+                                        <p:cTn id="7" dur="500"/>
+                                        <p:tgtEl>
+                                          <p:spTgt spid="9"/>
+                                        </p:tgtEl>
+                                      </p:cBhvr>
+                                    </p:animEffect>
+                                  </p:childTnLst>
+                                </p:cTn>
+                              </p:par>
+                            </p:childTnLst>
+                          </p:cTn>
+                        </p:par>
+                      </p:childTnLst>
+                    </p:cTn>
+                  </p:par>
+                </p:childTnLst>
+              </p:cTn>
+              <p:prevCondLst>
+                <p:cond evt="onPrev" delay="0">
+                  <p:tgtEl>
+                    <p:sldTgt/>
+                  </p:tgtEl>
+                </p:cond>
+              </p:prevCondLst>
+              <p:nextCondLst>
+                <p:cond evt="onNext" delay="0">
+                  <p:tgtEl>
+                    <p:sldTgt/>
+                  </p:tgtEl>
+                </p:cond>
+              </p:nextCondLst>
+            </p:seq>
+          </p:childTnLst>
+        </p:cTn>
+      </p:par>
+    </p:tnLst>
+    <p:bldLst>
+      <p:bldP spid="9" grpId="0"/>
+    </p:bldLst>
+  </p:timing>
+</p:sld>
+</file>
+
+<file path=ppt/slides/slide28.xml><?xml version="1.0" encoding="utf-8"?>
+<p:sld xmlns:a="http://schemas.openxmlformats.org/drawingml/2006/main" xmlns:r="http://schemas.openxmlformats.org/officeDocument/2006/relationships" xmlns:p="http://schemas.openxmlformats.org/presentationml/2006/main">
+  <p:cSld>
+    <p:spTree>
+      <p:nvGrpSpPr>
+        <p:cNvPr id="1" name=""/>
+        <p:cNvGrpSpPr/>
+        <p:nvPr/>
+      </p:nvGrpSpPr>
+      <p:grpSpPr>
+        <a:xfrm>
+          <a:off x="0" y="0"/>
+          <a:ext cx="0" cy="0"/>
+          <a:chOff x="0" y="0"/>
+          <a:chExt cx="0" cy="0"/>
+        </a:xfrm>
+      </p:grpSpPr>
+      <p:sp>
+        <p:nvSpPr>
+          <p:cNvPr id="9" name="Title 8"/>
+          <p:cNvSpPr>
+            <a:spLocks noGrp="1"/>
+          </p:cNvSpPr>
+          <p:nvPr>
+            <p:ph type="title"/>
+          </p:nvPr>
+        </p:nvSpPr>
+        <p:spPr/>
+        <p:txBody>
+          <a:bodyPr/>
+          <a:lstStyle/>
+          <a:p>
+            <a:r>
+              <a:rPr lang="zh-CN" altLang="en-US" sz="4400" smtClean="0"/>
+              <a:t>对象的属性</a:t>
+            </a:r>
+            <a:r>
+              <a:rPr lang="en-US" altLang="zh-CN" sz="4400" dirty="0" smtClean="0"/>
+              <a:t/>
+            </a:r>
+            <a:br>
+              <a:rPr lang="en-US" altLang="zh-CN" sz="4400" dirty="0" smtClean="0"/>
+            </a:br>
+            <a:r>
+              <a:rPr lang="en-US" altLang="zh-CN" sz="4400" dirty="0" smtClean="0"/>
+              <a:t>			</a:t>
+            </a:r>
+            <a:endParaRPr lang="en-US" dirty="0"/>
+          </a:p>
+        </p:txBody>
+      </p:sp>
+      <p:sp>
+        <p:nvSpPr>
+          <p:cNvPr id="7" name="Rectangle 3"/>
+          <p:cNvSpPr>
+            <a:spLocks noGrp="1" noChangeArrowheads="1"/>
+          </p:cNvSpPr>
+          <p:nvPr>
+            <p:ph idx="1"/>
+          </p:nvPr>
+        </p:nvSpPr>
+        <p:spPr/>
+        <p:txBody>
+          <a:bodyPr>
+            <a:normAutofit/>
+          </a:bodyPr>
+          <a:lstStyle/>
+          <a:p>
+            <a:r>
+              <a:rPr lang="zh-CN" altLang="en-US" sz="2400" dirty="0" smtClean="0"/>
+              <a:t>使用点（</a:t>
+            </a:r>
+            <a:r>
+              <a:rPr lang="en-US" altLang="zh-CN" sz="2400" dirty="0" smtClean="0"/>
+              <a:t>.</a:t>
+            </a:r>
+            <a:r>
+              <a:rPr lang="zh-CN" altLang="en-US" sz="2400" dirty="0" smtClean="0"/>
+              <a:t>）运算符</a:t>
+            </a:r>
+            <a:r>
+              <a:rPr lang="en-US" altLang="zh-CN" sz="2400" dirty="0" smtClean="0"/>
+              <a:t>: city.name=</a:t>
+            </a:r>
+            <a:r>
+              <a:rPr lang="en-US" altLang="zh-CN" sz="2400" dirty="0" smtClean="0">
+                <a:latin typeface="Arial" charset="0"/>
+              </a:rPr>
+              <a:t>“Shanghai</a:t>
+            </a:r>
+            <a:r>
+              <a:rPr lang="zh-CN" altLang="en-US" sz="2400" dirty="0" smtClean="0">
+                <a:latin typeface="Arial" charset="0"/>
+              </a:rPr>
+              <a:t>”</a:t>
+            </a:r>
+            <a:r>
+              <a:rPr lang="zh-CN" altLang="en-US" sz="2400" dirty="0" smtClean="0"/>
+              <a:t> </a:t>
+            </a:r>
+            <a:endParaRPr lang="en-US" altLang="zh-CN" sz="2400" dirty="0" smtClean="0"/>
+          </a:p>
+          <a:p>
+            <a:pPr>
+              <a:buNone/>
+            </a:pPr>
+            <a:endParaRPr lang="en-US" altLang="zh-CN" sz="2400" dirty="0" smtClean="0"/>
+          </a:p>
+          <a:p>
+            <a:endParaRPr lang="en-US" altLang="zh-CN" sz="2400" dirty="0" smtClean="0"/>
+          </a:p>
+          <a:p>
+            <a:endParaRPr lang="en-US" altLang="zh-CN" sz="2400" dirty="0" smtClean="0"/>
+          </a:p>
+          <a:p>
+            <a:r>
+              <a:rPr lang="zh-CN" altLang="en-US" sz="2400" dirty="0" smtClean="0"/>
+              <a:t>通过字符串的</a:t>
+            </a:r>
+            <a:r>
+              <a:rPr lang="zh-CN" altLang="en-US" sz="2400" dirty="0" smtClean="0"/>
+              <a:t>形式</a:t>
+            </a:r>
+            <a:r>
+              <a:rPr lang="zh-CN" altLang="en-US" sz="2400" dirty="0" smtClean="0"/>
+              <a:t>调用</a:t>
+            </a:r>
+            <a:r>
+              <a:rPr lang="zh-CN" altLang="en-US" sz="2400" dirty="0" smtClean="0"/>
+              <a:t> </a:t>
+            </a:r>
+            <a:r>
+              <a:rPr lang="en-US" altLang="zh-CN" sz="2400" dirty="0" smtClean="0"/>
+              <a:t>: city[“Name”]=</a:t>
+            </a:r>
+            <a:r>
+              <a:rPr lang="en-US" altLang="zh-CN" sz="2400" dirty="0" smtClean="0">
+                <a:latin typeface="Arial" charset="0"/>
+              </a:rPr>
+              <a:t>“</a:t>
+            </a:r>
+            <a:r>
+              <a:rPr lang="zh-CN" altLang="en-US" sz="2400" dirty="0" smtClean="0">
+                <a:latin typeface="Arial" charset="0"/>
+              </a:rPr>
+              <a:t>上海”</a:t>
+            </a:r>
+            <a:r>
+              <a:rPr lang="zh-CN" altLang="en-US" sz="2400" dirty="0" smtClean="0"/>
+              <a:t> </a:t>
+            </a:r>
+          </a:p>
+          <a:p>
+            <a:pPr>
+              <a:lnSpc>
+                <a:spcPct val="90000"/>
+              </a:lnSpc>
+              <a:buFont typeface="Wingdings" pitchFamily="2" charset="2"/>
+              <a:buChar char="l"/>
+            </a:pPr>
+            <a:endParaRPr lang="en-US" altLang="zh-CN" sz="2400" dirty="0" smtClean="0"/>
+          </a:p>
+        </p:txBody>
+      </p:sp>
+    </p:spTree>
+    <p:extLst>
+      <p:ext uri="{BB962C8B-B14F-4D97-AF65-F5344CB8AC3E}">
+        <p14:creationId xmlns:p14="http://schemas.microsoft.com/office/powerpoint/2010/main" xmlns="" val="2036312712"/>
+      </p:ext>
+    </p:extLst>
+  </p:cSld>
+  <p:clrMapOvr>
+    <a:masterClrMapping/>
+  </p:clrMapOvr>
+  <p:timing>
+    <p:tnLst>
+      <p:par>
+        <p:cTn id="1" dur="indefinite" restart="never" nodeType="tmRoot">
+          <p:childTnLst>
+            <p:seq concurrent="1" nextAc="seek">
+              <p:cTn id="2" dur="indefinite" nodeType="mainSeq">
+                <p:childTnLst>
+                  <p:par>
+                    <p:cTn id="3" fill="hold">
+                      <p:stCondLst>
+                        <p:cond delay="indefinite"/>
+                      </p:stCondLst>
+                      <p:childTnLst>
+                        <p:par>
+                          <p:cTn id="4" fill="hold">
+                            <p:stCondLst>
+                              <p:cond delay="0"/>
+                            </p:stCondLst>
+                            <p:childTnLst>
+                              <p:par>
+                                <p:cTn id="5" presetID="5" presetClass="entr" presetSubtype="10" fill="hold" grpId="0" nodeType="clickEffect">
+                                  <p:stCondLst>
+                                    <p:cond delay="0"/>
+                                  </p:stCondLst>
+                                  <p:childTnLst>
+                                    <p:set>
+                                      <p:cBhvr>
+                                        <p:cTn id="6" dur="1" fill="hold">
+                                          <p:stCondLst>
+                                            <p:cond delay="0"/>
+                                          </p:stCondLst>
+                                        </p:cTn>
+                                        <p:tgtEl>
+                                          <p:spTgt spid="9"/>
+                                        </p:tgtEl>
+                                        <p:attrNameLst>
+                                          <p:attrName>style.visibility</p:attrName>
+                                        </p:attrNameLst>
+                                      </p:cBhvr>
+                                      <p:to>
+                                        <p:strVal val="visible"/>
+                                      </p:to>
+                                    </p:set>
+                                    <p:animEffect transition="in" filter="checkerboard(across)">
+                                      <p:cBhvr>
+                                        <p:cTn id="7" dur="500"/>
+                                        <p:tgtEl>
+                                          <p:spTgt spid="9"/>
+                                        </p:tgtEl>
+                                      </p:cBhvr>
+                                    </p:animEffect>
+                                  </p:childTnLst>
+                                </p:cTn>
+                              </p:par>
+                            </p:childTnLst>
+                          </p:cTn>
+                        </p:par>
+                      </p:childTnLst>
+                    </p:cTn>
+                  </p:par>
+                </p:childTnLst>
+              </p:cTn>
+              <p:prevCondLst>
+                <p:cond evt="onPrev" delay="0">
+                  <p:tgtEl>
+                    <p:sldTgt/>
+                  </p:tgtEl>
+                </p:cond>
+              </p:prevCondLst>
+              <p:nextCondLst>
+                <p:cond evt="onNext" delay="0">
+                  <p:tgtEl>
+                    <p:sldTgt/>
+                  </p:tgtEl>
+                </p:cond>
+              </p:nextCondLst>
+            </p:seq>
+          </p:childTnLst>
+        </p:cTn>
+      </p:par>
+    </p:tnLst>
+    <p:bldLst>
+      <p:bldP spid="9" grpId="0"/>
+    </p:bldLst>
+  </p:timing>
+</p:sld>
+</file>
+
+<file path=ppt/slides/slide29.xml><?xml version="1.0" encoding="utf-8"?>
+<p:sld xmlns:a="http://schemas.openxmlformats.org/drawingml/2006/main" xmlns:r="http://schemas.openxmlformats.org/officeDocument/2006/relationships" xmlns:p="http://schemas.openxmlformats.org/presentationml/2006/main">
+  <p:cSld>
+    <p:spTree>
+      <p:nvGrpSpPr>
+        <p:cNvPr id="1" name=""/>
+        <p:cNvGrpSpPr/>
+        <p:nvPr/>
+      </p:nvGrpSpPr>
+      <p:grpSpPr>
+        <a:xfrm>
+          <a:off x="0" y="0"/>
+          <a:ext cx="0" cy="0"/>
+          <a:chOff x="0" y="0"/>
+          <a:chExt cx="0" cy="0"/>
+        </a:xfrm>
+      </p:grpSpPr>
+      <p:sp>
+        <p:nvSpPr>
+          <p:cNvPr id="9" name="Title 8"/>
+          <p:cNvSpPr>
+            <a:spLocks noGrp="1"/>
+          </p:cNvSpPr>
+          <p:nvPr>
+            <p:ph type="title"/>
+          </p:nvPr>
+        </p:nvSpPr>
+        <p:spPr/>
+        <p:txBody>
+          <a:bodyPr/>
+          <a:lstStyle/>
+          <a:p>
+            <a:r>
+              <a:rPr lang="zh-CN" altLang="en-US" sz="4400" dirty="0" smtClean="0"/>
+              <a:t>面向对象的编程</a:t>
+            </a:r>
+            <a:r>
+              <a:rPr lang="en-US" altLang="zh-CN" sz="4400" dirty="0" smtClean="0"/>
+              <a:t/>
+            </a:r>
+            <a:br>
+              <a:rPr lang="en-US" altLang="zh-CN" sz="4400" dirty="0" smtClean="0"/>
+            </a:br>
+            <a:r>
+              <a:rPr lang="en-US" altLang="zh-CN" sz="4400" dirty="0" smtClean="0"/>
+              <a:t>			</a:t>
+            </a:r>
+            <a:endParaRPr lang="en-US" dirty="0"/>
+          </a:p>
+        </p:txBody>
+      </p:sp>
+      <p:sp>
+        <p:nvSpPr>
+          <p:cNvPr id="7" name="Rectangle 3"/>
+          <p:cNvSpPr>
+            <a:spLocks noGrp="1" noChangeArrowheads="1"/>
+          </p:cNvSpPr>
+          <p:nvPr>
+            <p:ph idx="1"/>
+          </p:nvPr>
+        </p:nvSpPr>
+        <p:spPr/>
+        <p:txBody>
+          <a:bodyPr>
+            <a:normAutofit/>
+          </a:bodyPr>
+          <a:lstStyle/>
+          <a:p>
+            <a:pPr>
+              <a:lnSpc>
+                <a:spcPct val="90000"/>
+              </a:lnSpc>
+              <a:buFont typeface="Wingdings" pitchFamily="2" charset="2"/>
+              <a:buChar char="l"/>
+            </a:pPr>
+            <a:r>
+              <a:rPr lang="zh-CN" altLang="en-US" sz="2400" dirty="0" smtClean="0"/>
+              <a:t>属性</a:t>
+            </a:r>
+            <a:endParaRPr lang="en-US" altLang="zh-CN" sz="2400" dirty="0" smtClean="0"/>
+          </a:p>
+          <a:p>
+            <a:pPr>
+              <a:lnSpc>
+                <a:spcPct val="90000"/>
+              </a:lnSpc>
+              <a:buFont typeface="Wingdings" pitchFamily="2" charset="2"/>
+              <a:buChar char="l"/>
+            </a:pPr>
+            <a:endParaRPr lang="en-US" altLang="zh-CN" sz="2400" dirty="0" smtClean="0"/>
+          </a:p>
+          <a:p>
+            <a:pPr>
+              <a:lnSpc>
+                <a:spcPct val="90000"/>
+              </a:lnSpc>
+              <a:buFont typeface="Wingdings" pitchFamily="2" charset="2"/>
+              <a:buChar char="l"/>
+            </a:pPr>
+            <a:endParaRPr lang="en-US" altLang="zh-CN" sz="2400" dirty="0" smtClean="0"/>
+          </a:p>
+          <a:p>
+            <a:pPr>
+              <a:lnSpc>
+                <a:spcPct val="90000"/>
+              </a:lnSpc>
+              <a:buFont typeface="Wingdings" pitchFamily="2" charset="2"/>
+              <a:buChar char="l"/>
+            </a:pPr>
+            <a:r>
+              <a:rPr lang="zh-CN" altLang="en-US" sz="2400" dirty="0" smtClean="0"/>
+              <a:t>方法</a:t>
+            </a:r>
+            <a:endParaRPr lang="en-US" altLang="zh-CN" sz="2400" dirty="0" smtClean="0"/>
+          </a:p>
+        </p:txBody>
+      </p:sp>
+    </p:spTree>
+    <p:extLst>
+      <p:ext uri="{BB962C8B-B14F-4D97-AF65-F5344CB8AC3E}">
+        <p14:creationId xmlns:p14="http://schemas.microsoft.com/office/powerpoint/2010/main" xmlns="" val="2036312712"/>
       </p:ext>
     </p:extLst>
   </p:cSld>
@@ -16909,7 +17279,7 @@
           <a:blip r:embed="rId3">
             <a:extLst>
               <a:ext uri="{28A0092B-C50C-407E-A947-70E740481C1C}">
-                <a14:useLocalDpi xmlns="" xmlns:a14="http://schemas.microsoft.com/office/drawing/2010/main" val="0"/>
+                <a14:useLocalDpi xmlns:a14="http://schemas.microsoft.com/office/drawing/2010/main" xmlns="" val="0"/>
               </a:ext>
             </a:extLst>
           </a:blip>
@@ -16930,7 +17300,7 @@
     </p:spTree>
     <p:extLst>
       <p:ext uri="{BB962C8B-B14F-4D97-AF65-F5344CB8AC3E}">
-        <p14:creationId xmlns="" xmlns:p14="http://schemas.microsoft.com/office/powerpoint/2010/main" val="602579535"/>
+        <p14:creationId xmlns:p14="http://schemas.microsoft.com/office/powerpoint/2010/main" xmlns="" val="602579535"/>
       </p:ext>
     </p:extLst>
   </p:cSld>
@@ -17089,7 +17459,9 @@
         </p:nvSpPr>
         <p:spPr/>
         <p:txBody>
-          <a:bodyPr/>
+          <a:bodyPr>
+            <a:noAutofit/>
+          </a:bodyPr>
           <a:lstStyle/>
           <a:p>
             <a:pPr>
@@ -17098,34 +17470,34 @@
               </a:lnSpc>
             </a:pPr>
             <a:r>
-              <a:rPr lang="en-US" altLang="zh-CN" sz="2000" dirty="0" smtClean="0"/>
+              <a:rPr lang="en-US" altLang="zh-CN" sz="2400" dirty="0" smtClean="0"/>
               <a:t>1995</a:t>
             </a:r>
             <a:r>
-              <a:rPr lang="zh-CN" altLang="en-US" sz="2000" dirty="0" smtClean="0"/>
+              <a:rPr lang="zh-CN" altLang="en-US" sz="2400" dirty="0" smtClean="0"/>
               <a:t>年</a:t>
             </a:r>
             <a:r>
-              <a:rPr lang="en-US" altLang="zh-CN" sz="2000" dirty="0" smtClean="0"/>
+              <a:rPr lang="en-US" altLang="zh-CN" sz="2400" dirty="0" smtClean="0"/>
               <a:t>Netscape </a:t>
             </a:r>
             <a:r>
-              <a:rPr lang="en-NZ" altLang="zh-CN" dirty="0" smtClean="0"/>
+              <a:rPr lang="en-NZ" altLang="zh-CN" sz="2400" dirty="0" smtClean="0"/>
               <a:t>Navigator 2.0</a:t>
             </a:r>
             <a:r>
-              <a:rPr lang="zh-CN" altLang="en-US" dirty="0" smtClean="0"/>
+              <a:rPr lang="zh-CN" altLang="en-US" sz="2400" dirty="0" smtClean="0"/>
               <a:t>浏览器中，出现</a:t>
             </a:r>
             <a:r>
-              <a:rPr lang="en-US" altLang="zh-CN" dirty="0" smtClean="0"/>
+              <a:rPr lang="en-US" altLang="zh-CN" sz="2400" dirty="0" smtClean="0"/>
               <a:t>JavaScript 1.0</a:t>
             </a:r>
             <a:r>
-              <a:rPr lang="zh-CN" altLang="en-US" dirty="0" smtClean="0"/>
+              <a:rPr lang="zh-CN" altLang="en-US" sz="2400" dirty="0" smtClean="0"/>
               <a:t>版本</a:t>
             </a:r>
-            <a:endParaRPr lang="en-US" altLang="zh-CN" dirty="0" smtClean="0"/>
+            <a:endParaRPr lang="en-US" altLang="zh-CN" sz="2400" dirty="0" smtClean="0"/>
           </a:p>
           <a:p>
             <a:pPr marL="0" indent="0">
@@ -17134,7 +17506,7 @@
               </a:lnSpc>
               <a:buNone/>
             </a:pPr>
-            <a:endParaRPr lang="en-US" altLang="zh-CN" dirty="0" smtClean="0"/>
+            <a:endParaRPr lang="en-US" altLang="zh-CN" sz="2400" dirty="0" smtClean="0"/>
           </a:p>
           <a:p>
             <a:pPr>
@@ -17143,18 +17515,18 @@
               </a:lnSpc>
             </a:pPr>
             <a:r>
-              <a:rPr lang="zh-CN" altLang="en-US" sz="2000" dirty="0" smtClean="0"/>
+              <a:rPr lang="zh-CN" altLang="en-US" sz="2400" dirty="0" smtClean="0"/>
               <a:t>设计者：</a:t>
             </a:r>
             <a:r>
-              <a:rPr lang="en-US" altLang="zh-CN" sz="2000" dirty="0" smtClean="0"/>
+              <a:rPr lang="en-US" altLang="zh-CN" sz="2400" dirty="0" smtClean="0"/>
               <a:t>Brendan </a:t>
             </a:r>
             <a:r>
-              <a:rPr lang="en-US" altLang="zh-CN" sz="2000" dirty="0" err="1" smtClean="0"/>
+              <a:rPr lang="en-US" altLang="zh-CN" sz="2400" dirty="0" err="1" smtClean="0"/>
               <a:t>Eich</a:t>
             </a:r>
-            <a:endParaRPr lang="en-US" altLang="zh-CN" sz="2000" dirty="0" smtClean="0"/>
+            <a:endParaRPr lang="en-US" altLang="zh-CN" sz="2400" dirty="0" smtClean="0"/>
           </a:p>
           <a:p>
             <a:pPr>
@@ -17162,7 +17534,7 @@
                 <a:spcPct val="90000"/>
               </a:lnSpc>
             </a:pPr>
-            <a:endParaRPr lang="en-US" altLang="zh-CN" sz="2000" dirty="0" smtClean="0"/>
+            <a:endParaRPr lang="en-US" altLang="zh-CN" sz="2400" dirty="0" smtClean="0"/>
           </a:p>
           <a:p>
             <a:pPr>
@@ -17171,10 +17543,10 @@
               </a:lnSpc>
             </a:pPr>
             <a:r>
-              <a:rPr lang="zh-CN" altLang="en-US" dirty="0" smtClean="0"/>
+              <a:rPr lang="zh-CN" altLang="en-US" sz="2400" dirty="0" smtClean="0"/>
               <a:t>思想：</a:t>
             </a:r>
-            <a:endParaRPr lang="en-US" altLang="zh-CN" dirty="0" smtClean="0"/>
+            <a:endParaRPr lang="en-US" altLang="zh-CN" sz="2400" dirty="0" smtClean="0"/>
           </a:p>
           <a:p>
             <a:pPr lvl="1">
@@ -17185,18 +17557,18 @@
               <a:buChar char="l"/>
             </a:pPr>
             <a:r>
-              <a:rPr lang="zh-CN" altLang="en-US" sz="1800" dirty="0" smtClean="0"/>
+              <a:rPr lang="zh-CN" altLang="en-US" sz="2400" dirty="0" smtClean="0"/>
               <a:t>借鉴</a:t>
             </a:r>
             <a:r>
-              <a:rPr lang="en-US" altLang="zh-CN" sz="1800" dirty="0" smtClean="0"/>
+              <a:rPr lang="en-US" altLang="zh-CN" sz="2400" dirty="0" smtClean="0"/>
               <a:t>C</a:t>
             </a:r>
             <a:r>
-              <a:rPr lang="zh-CN" altLang="en-US" sz="1800" dirty="0" smtClean="0"/>
+              <a:rPr lang="zh-CN" altLang="en-US" sz="2400" dirty="0" smtClean="0"/>
               <a:t>语言的语法基础</a:t>
             </a:r>
-            <a:endParaRPr lang="en-US" altLang="zh-CN" sz="1800" dirty="0" smtClean="0"/>
+            <a:endParaRPr lang="en-US" altLang="zh-CN" sz="2400" dirty="0" smtClean="0"/>
           </a:p>
           <a:p>
             <a:pPr lvl="1">
@@ -17207,18 +17579,18 @@
               <a:buChar char="l"/>
             </a:pPr>
             <a:r>
-              <a:rPr lang="zh-CN" altLang="en-US" sz="1800" dirty="0" smtClean="0"/>
+              <a:rPr lang="zh-CN" altLang="en-US" sz="2400" dirty="0" smtClean="0"/>
               <a:t>借鉴</a:t>
             </a:r>
             <a:r>
-              <a:rPr lang="en-US" altLang="zh-CN" sz="1800" dirty="0" smtClean="0"/>
+              <a:rPr lang="en-US" altLang="zh-CN" sz="2400" dirty="0" smtClean="0"/>
               <a:t>Java</a:t>
             </a:r>
             <a:r>
-              <a:rPr lang="zh-CN" altLang="en-US" sz="1800" dirty="0" smtClean="0"/>
+              <a:rPr lang="zh-CN" altLang="en-US" sz="2400" dirty="0" smtClean="0"/>
               <a:t>的数据类型</a:t>
             </a:r>
-            <a:endParaRPr lang="en-US" altLang="zh-CN" sz="1800" dirty="0" smtClean="0"/>
+            <a:endParaRPr lang="en-US" altLang="zh-CN" sz="2400" dirty="0" smtClean="0"/>
           </a:p>
           <a:p>
             <a:pPr lvl="1">
@@ -17229,18 +17601,18 @@
               <a:buChar char="l"/>
             </a:pPr>
             <a:r>
-              <a:rPr lang="zh-CN" altLang="en-US" dirty="0" smtClean="0"/>
+              <a:rPr lang="zh-CN" altLang="en-US" sz="2400" dirty="0" smtClean="0"/>
               <a:t>借鉴</a:t>
             </a:r>
             <a:r>
-              <a:rPr lang="en-US" altLang="zh-CN" dirty="0" smtClean="0"/>
+              <a:rPr lang="en-US" altLang="zh-CN" sz="2400" dirty="0" smtClean="0"/>
               <a:t>Scheme</a:t>
             </a:r>
             <a:r>
-              <a:rPr lang="zh-CN" altLang="en-US" dirty="0" smtClean="0"/>
+              <a:rPr lang="zh-CN" altLang="en-US" sz="2400" dirty="0" smtClean="0"/>
               <a:t>语言的函数式编程思想</a:t>
             </a:r>
-            <a:endParaRPr lang="en-US" altLang="zh-CN" dirty="0" smtClean="0"/>
+            <a:endParaRPr lang="en-US" altLang="zh-CN" sz="2400" dirty="0" smtClean="0"/>
           </a:p>
           <a:p>
             <a:pPr lvl="1">
@@ -17251,26 +17623,26 @@
               <a:buChar char="l"/>
             </a:pPr>
             <a:r>
-              <a:rPr lang="zh-CN" altLang="en-US" dirty="0" smtClean="0"/>
+              <a:rPr lang="zh-CN" altLang="en-US" sz="2400" dirty="0" smtClean="0"/>
               <a:t>借鉴</a:t>
             </a:r>
             <a:r>
-              <a:rPr lang="en-US" altLang="zh-CN" dirty="0" smtClean="0"/>
+              <a:rPr lang="en-US" altLang="zh-CN" sz="2400" dirty="0" smtClean="0"/>
               <a:t>Self</a:t>
             </a:r>
             <a:r>
-              <a:rPr lang="zh-CN" altLang="en-US" dirty="0" smtClean="0"/>
+              <a:rPr lang="zh-CN" altLang="en-US" sz="2400" dirty="0" smtClean="0"/>
               <a:t>语言使用基于</a:t>
             </a:r>
             <a:r>
-              <a:rPr lang="en-US" altLang="zh-CN" dirty="0" err="1" smtClean="0"/>
+              <a:rPr lang="en-US" altLang="zh-CN" sz="2400" dirty="0" err="1" smtClean="0"/>
               <a:t>portotype</a:t>
             </a:r>
             <a:r>
-              <a:rPr lang="zh-CN" altLang="en-US" dirty="0" smtClean="0"/>
+              <a:rPr lang="zh-CN" altLang="en-US" sz="2400" dirty="0" smtClean="0"/>
               <a:t>的继承机制</a:t>
             </a:r>
-            <a:endParaRPr lang="en-US" altLang="zh-CN" dirty="0" smtClean="0"/>
+            <a:endParaRPr lang="en-US" altLang="zh-CN" sz="2400" dirty="0" smtClean="0"/>
           </a:p>
           <a:p>
             <a:pPr lvl="1">
@@ -17280,14 +17652,14 @@
               <a:buFont typeface="Wingdings" panose="05000000000000000000" pitchFamily="2" charset="2"/>
               <a:buChar char="l"/>
             </a:pPr>
-            <a:endParaRPr lang="en-US" altLang="zh-CN" sz="1800" dirty="0" smtClean="0"/>
+            <a:endParaRPr lang="en-US" altLang="zh-CN" sz="2400" dirty="0" smtClean="0"/>
           </a:p>
         </p:txBody>
       </p:sp>
     </p:spTree>
     <p:extLst>
       <p:ext uri="{BB962C8B-B14F-4D97-AF65-F5344CB8AC3E}">
-        <p14:creationId xmlns="" xmlns:p14="http://schemas.microsoft.com/office/powerpoint/2010/main" val="1457282557"/>
+        <p14:creationId xmlns:p14="http://schemas.microsoft.com/office/powerpoint/2010/main" xmlns="" val="1457282557"/>
       </p:ext>
     </p:extLst>
   </p:cSld>
@@ -17446,7 +17818,9 @@
         </p:nvSpPr>
         <p:spPr/>
         <p:txBody>
-          <a:bodyPr/>
+          <a:bodyPr>
+            <a:normAutofit/>
+          </a:bodyPr>
           <a:lstStyle/>
           <a:p>
             <a:pPr>
@@ -17455,19 +17829,19 @@
               </a:lnSpc>
             </a:pPr>
             <a:r>
-              <a:rPr lang="zh-CN" altLang="en-US" dirty="0" smtClean="0"/>
+              <a:rPr lang="zh-CN" altLang="en-US" sz="2400" dirty="0" smtClean="0"/>
               <a:t>浏览器之争：微软公司</a:t>
             </a:r>
             <a:r>
-              <a:rPr lang="en-US" altLang="zh-CN" dirty="0" smtClean="0"/>
+              <a:rPr lang="en-US" altLang="zh-CN" sz="2400" dirty="0" smtClean="0"/>
               <a:t>IE 3.0</a:t>
             </a:r>
             <a:r>
-              <a:rPr lang="zh-CN" altLang="en-US" dirty="0" smtClean="0"/>
+              <a:rPr lang="zh-CN" altLang="en-US" sz="2400" dirty="0" smtClean="0"/>
               <a:t>中搭载</a:t>
             </a:r>
             <a:r>
-              <a:rPr lang="en-US" altLang="zh-CN" dirty="0" smtClean="0"/>
+              <a:rPr lang="en-US" altLang="zh-CN" sz="2400" dirty="0" smtClean="0"/>
               <a:t>JScript</a:t>
             </a:r>
           </a:p>
@@ -17477,7 +17851,7 @@
                 <a:spcPct val="90000"/>
               </a:lnSpc>
             </a:pPr>
-            <a:endParaRPr lang="en-US" altLang="zh-CN" dirty="0"/>
+            <a:endParaRPr lang="en-US" altLang="zh-CN" sz="2400" dirty="0"/>
           </a:p>
           <a:p>
             <a:pPr>
@@ -17486,10 +17860,10 @@
               </a:lnSpc>
             </a:pPr>
             <a:r>
-              <a:rPr lang="zh-CN" altLang="en-US" dirty="0" smtClean="0"/>
+              <a:rPr lang="zh-CN" altLang="en-US" sz="2400" dirty="0" smtClean="0"/>
               <a:t>标准不统一带来的兼容性问题</a:t>
             </a:r>
-            <a:endParaRPr lang="en-US" altLang="zh-CN" dirty="0" smtClean="0"/>
+            <a:endParaRPr lang="en-US" altLang="zh-CN" sz="2400" dirty="0" smtClean="0"/>
           </a:p>
           <a:p>
             <a:pPr>
@@ -17497,7 +17871,7 @@
                 <a:spcPct val="90000"/>
               </a:lnSpc>
             </a:pPr>
-            <a:endParaRPr lang="en-US" altLang="zh-CN" sz="2000" dirty="0" smtClean="0"/>
+            <a:endParaRPr lang="en-US" altLang="zh-CN" sz="2400" dirty="0" smtClean="0"/>
           </a:p>
           <a:p>
             <a:pPr>
@@ -17506,14 +17880,14 @@
               </a:lnSpc>
             </a:pPr>
             <a:r>
-              <a:rPr lang="en-US" altLang="zh-CN" dirty="0" smtClean="0"/>
+              <a:rPr lang="en-US" altLang="zh-CN" sz="2400" dirty="0" smtClean="0"/>
               <a:t>JavaScript</a:t>
             </a:r>
             <a:r>
-              <a:rPr lang="zh-CN" altLang="en-US" dirty="0" smtClean="0"/>
+              <a:rPr lang="zh-CN" altLang="en-US" sz="2400" dirty="0" smtClean="0"/>
               <a:t>的标准化：</a:t>
             </a:r>
-            <a:endParaRPr lang="en-US" altLang="zh-CN" dirty="0" smtClean="0"/>
+            <a:endParaRPr lang="en-US" altLang="zh-CN" sz="2400" dirty="0" smtClean="0"/>
           </a:p>
           <a:p>
             <a:pPr>
@@ -17521,7 +17895,7 @@
                 <a:spcPct val="90000"/>
               </a:lnSpc>
             </a:pPr>
-            <a:endParaRPr lang="en-US" altLang="zh-CN" dirty="0" smtClean="0"/>
+            <a:endParaRPr lang="en-US" altLang="zh-CN" sz="2400" dirty="0" smtClean="0"/>
           </a:p>
           <a:p>
             <a:pPr lvl="1">
@@ -17532,7 +17906,7 @@
               <a:buChar char="l"/>
             </a:pPr>
             <a:r>
-              <a:rPr lang="en-US" altLang="zh-CN" dirty="0" smtClean="0"/>
+              <a:rPr lang="en-US" altLang="zh-CN" sz="2400" dirty="0" smtClean="0"/>
               <a:t>W3C</a:t>
             </a:r>
           </a:p>
@@ -17545,10 +17919,9 @@
               <a:buChar char="l"/>
             </a:pPr>
             <a:r>
-              <a:rPr lang="en-US" altLang="zh-CN" dirty="0" smtClean="0"/>
+              <a:rPr lang="en-US" altLang="zh-CN" sz="2400" dirty="0" smtClean="0"/>
               <a:t>ECMA</a:t>
             </a:r>
-            <a:endParaRPr lang="en-US" altLang="zh-CN" sz="1800" dirty="0" smtClean="0"/>
           </a:p>
           <a:p>
             <a:pPr>
@@ -17556,14 +17929,14 @@
                 <a:spcPct val="90000"/>
               </a:lnSpc>
             </a:pPr>
-            <a:endParaRPr lang="en-US" altLang="zh-CN" sz="2000" dirty="0" smtClean="0"/>
+            <a:endParaRPr lang="en-US" altLang="zh-CN" sz="2400" dirty="0" smtClean="0"/>
           </a:p>
         </p:txBody>
       </p:sp>
     </p:spTree>
     <p:extLst>
       <p:ext uri="{BB962C8B-B14F-4D97-AF65-F5344CB8AC3E}">
-        <p14:creationId xmlns="" xmlns:p14="http://schemas.microsoft.com/office/powerpoint/2010/main" val="2257175540"/>
+        <p14:creationId xmlns:p14="http://schemas.microsoft.com/office/powerpoint/2010/main" xmlns="" val="2257175540"/>
       </p:ext>
     </p:extLst>
   </p:cSld>
@@ -17722,7 +18095,9 @@
         </p:nvSpPr>
         <p:spPr/>
         <p:txBody>
-          <a:bodyPr/>
+          <a:bodyPr>
+            <a:normAutofit/>
+          </a:bodyPr>
           <a:lstStyle/>
           <a:p>
             <a:pPr>
@@ -17731,22 +18106,22 @@
               </a:lnSpc>
             </a:pPr>
             <a:r>
-              <a:rPr lang="en-NZ" altLang="zh-CN" dirty="0" err="1" smtClean="0"/>
+              <a:rPr lang="en-NZ" altLang="zh-CN" sz="2400" dirty="0" err="1" smtClean="0"/>
               <a:t>ECMAScirp</a:t>
             </a:r>
             <a:r>
-              <a:rPr lang="zh-CN" altLang="en-US" dirty="0" smtClean="0"/>
+              <a:rPr lang="zh-CN" altLang="en-US" sz="2400" dirty="0" smtClean="0"/>
               <a:t>：</a:t>
             </a:r>
             <a:r>
-              <a:rPr lang="en-US" altLang="zh-CN" dirty="0" smtClean="0"/>
+              <a:rPr lang="en-US" altLang="zh-CN" sz="2400" dirty="0" smtClean="0"/>
               <a:t>JavaScript</a:t>
             </a:r>
             <a:r>
-              <a:rPr lang="zh-CN" altLang="en-US" dirty="0" smtClean="0"/>
+              <a:rPr lang="zh-CN" altLang="en-US" sz="2400" dirty="0" smtClean="0"/>
               <a:t>的核心</a:t>
             </a:r>
-            <a:endParaRPr lang="en-US" altLang="zh-CN" dirty="0" smtClean="0"/>
+            <a:endParaRPr lang="en-US" altLang="zh-CN" sz="2400" dirty="0" smtClean="0"/>
           </a:p>
           <a:p>
             <a:pPr>
@@ -17754,7 +18129,7 @@
                 <a:spcPct val="90000"/>
               </a:lnSpc>
             </a:pPr>
-            <a:endParaRPr lang="en-US" altLang="zh-CN" dirty="0" smtClean="0"/>
+            <a:endParaRPr lang="en-US" altLang="zh-CN" sz="2400" dirty="0" smtClean="0"/>
           </a:p>
           <a:p>
             <a:pPr>
@@ -17762,7 +18137,7 @@
                 <a:spcPct val="90000"/>
               </a:lnSpc>
             </a:pPr>
-            <a:endParaRPr lang="en-US" altLang="zh-CN" dirty="0"/>
+            <a:endParaRPr lang="en-US" altLang="zh-CN" sz="2400" dirty="0"/>
           </a:p>
           <a:p>
             <a:pPr>
@@ -17771,14 +18146,14 @@
               </a:lnSpc>
             </a:pPr>
             <a:r>
-              <a:rPr lang="en-US" altLang="zh-CN" sz="2000" dirty="0" smtClean="0"/>
+              <a:rPr lang="en-US" altLang="zh-CN" sz="2400" dirty="0" smtClean="0"/>
               <a:t>DOM</a:t>
             </a:r>
             <a:r>
-              <a:rPr lang="zh-CN" altLang="en-US" sz="2000" dirty="0" smtClean="0"/>
+              <a:rPr lang="zh-CN" altLang="en-US" sz="2400" dirty="0" smtClean="0"/>
               <a:t>：文档对象模型</a:t>
             </a:r>
-            <a:endParaRPr lang="en-US" altLang="zh-CN" sz="2000" dirty="0" smtClean="0"/>
+            <a:endParaRPr lang="en-US" altLang="zh-CN" sz="2400" dirty="0" smtClean="0"/>
           </a:p>
           <a:p>
             <a:pPr>
@@ -17786,7 +18161,7 @@
                 <a:spcPct val="90000"/>
               </a:lnSpc>
             </a:pPr>
-            <a:endParaRPr lang="en-US" altLang="zh-CN" dirty="0"/>
+            <a:endParaRPr lang="en-US" altLang="zh-CN" sz="2400" dirty="0"/>
           </a:p>
           <a:p>
             <a:pPr>
@@ -17794,7 +18169,7 @@
                 <a:spcPct val="90000"/>
               </a:lnSpc>
             </a:pPr>
-            <a:endParaRPr lang="en-US" altLang="zh-CN" sz="2000" dirty="0" smtClean="0"/>
+            <a:endParaRPr lang="en-US" altLang="zh-CN" sz="2400" dirty="0" smtClean="0"/>
           </a:p>
           <a:p>
             <a:pPr>
@@ -17803,14 +18178,14 @@
               </a:lnSpc>
             </a:pPr>
             <a:r>
-              <a:rPr lang="en-NZ" altLang="zh-CN" dirty="0" smtClean="0"/>
+              <a:rPr lang="en-NZ" altLang="zh-CN" sz="2400" dirty="0" smtClean="0"/>
               <a:t>BOM</a:t>
             </a:r>
             <a:r>
-              <a:rPr lang="zh-CN" altLang="en-US" dirty="0" smtClean="0"/>
+              <a:rPr lang="zh-CN" altLang="en-US" sz="2400" dirty="0" smtClean="0"/>
               <a:t>：浏览器对象模型</a:t>
             </a:r>
-            <a:endParaRPr lang="en-NZ" altLang="zh-CN" dirty="0" smtClean="0"/>
+            <a:endParaRPr lang="en-NZ" altLang="zh-CN" sz="2400" dirty="0" smtClean="0"/>
           </a:p>
           <a:p>
             <a:pPr>
@@ -17818,14 +18193,14 @@
                 <a:spcPct val="90000"/>
               </a:lnSpc>
             </a:pPr>
-            <a:endParaRPr lang="en-US" altLang="zh-CN" sz="2000" dirty="0" smtClean="0"/>
+            <a:endParaRPr lang="en-US" altLang="zh-CN" sz="2400" dirty="0" smtClean="0"/>
           </a:p>
         </p:txBody>
       </p:sp>
     </p:spTree>
     <p:extLst>
       <p:ext uri="{BB962C8B-B14F-4D97-AF65-F5344CB8AC3E}">
-        <p14:creationId xmlns="" xmlns:p14="http://schemas.microsoft.com/office/powerpoint/2010/main" val="3645564219"/>
+        <p14:creationId xmlns:p14="http://schemas.microsoft.com/office/powerpoint/2010/main" xmlns="" val="3645564219"/>
       </p:ext>
     </p:extLst>
   </p:cSld>
@@ -17996,44 +18371,44 @@
           <a:lstStyle/>
           <a:p>
             <a:r>
-              <a:rPr lang="zh-CN" altLang="en-US" dirty="0" smtClean="0"/>
+              <a:rPr lang="zh-CN" altLang="en-US" sz="2400" dirty="0" smtClean="0"/>
               <a:t>语法</a:t>
             </a:r>
-            <a:endParaRPr lang="zh-CN" altLang="en-US" dirty="0"/>
-          </a:p>
-          <a:p>
-            <a:r>
-              <a:rPr lang="zh-CN" altLang="en-US" dirty="0"/>
+            <a:endParaRPr lang="zh-CN" altLang="en-US" sz="2400" dirty="0"/>
+          </a:p>
+          <a:p>
+            <a:r>
+              <a:rPr lang="zh-CN" altLang="en-US" sz="2400" dirty="0"/>
               <a:t>类型</a:t>
             </a:r>
           </a:p>
           <a:p>
             <a:r>
-              <a:rPr lang="zh-CN" altLang="en-US" dirty="0"/>
+              <a:rPr lang="zh-CN" altLang="en-US" sz="2400" dirty="0"/>
               <a:t>语句</a:t>
             </a:r>
           </a:p>
           <a:p>
             <a:r>
-              <a:rPr lang="zh-CN" altLang="en-US" dirty="0"/>
+              <a:rPr lang="zh-CN" altLang="en-US" sz="2400" dirty="0"/>
               <a:t>关键字</a:t>
             </a:r>
           </a:p>
           <a:p>
             <a:r>
-              <a:rPr lang="zh-CN" altLang="en-US" dirty="0"/>
+              <a:rPr lang="zh-CN" altLang="en-US" sz="2400" dirty="0"/>
               <a:t>保留字</a:t>
             </a:r>
           </a:p>
           <a:p>
             <a:r>
-              <a:rPr lang="zh-CN" altLang="en-US" dirty="0"/>
+              <a:rPr lang="zh-CN" altLang="en-US" sz="2400" dirty="0"/>
               <a:t>运算符</a:t>
             </a:r>
           </a:p>
           <a:p>
             <a:r>
-              <a:rPr lang="zh-CN" altLang="en-US" dirty="0"/>
+              <a:rPr lang="zh-CN" altLang="en-US" sz="2400" dirty="0"/>
               <a:t>对象</a:t>
             </a:r>
           </a:p>
@@ -18050,7 +18425,7 @@
     </p:spTree>
     <p:extLst>
       <p:ext uri="{BB962C8B-B14F-4D97-AF65-F5344CB8AC3E}">
-        <p14:creationId xmlns="" xmlns:p14="http://schemas.microsoft.com/office/powerpoint/2010/main" val="912789726"/>
+        <p14:creationId xmlns:p14="http://schemas.microsoft.com/office/powerpoint/2010/main" xmlns="" val="912789726"/>
       </p:ext>
     </p:extLst>
   </p:cSld>
@@ -18215,10 +18590,15 @@
             <p:ph idx="1"/>
           </p:nvPr>
         </p:nvSpPr>
-        <p:spPr/>
+        <p:spPr>
+          <a:xfrm>
+            <a:off x="1103312" y="1562100"/>
+            <a:ext cx="8946541" cy="4195481"/>
+          </a:xfrm>
+        </p:spPr>
         <p:txBody>
           <a:bodyPr>
-            <a:normAutofit lnSpcReduction="10000"/>
+            <a:noAutofit/>
           </a:bodyPr>
           <a:lstStyle/>
           <a:p>
@@ -18228,10 +18608,10 @@
               </a:lnSpc>
             </a:pPr>
             <a:r>
-              <a:rPr lang="zh-CN" altLang="en-US" dirty="0" smtClean="0"/>
+              <a:rPr lang="zh-CN" altLang="en-US" sz="2400" dirty="0" smtClean="0"/>
               <a:t>语句</a:t>
             </a:r>
-            <a:endParaRPr lang="en-US" altLang="zh-CN" dirty="0" smtClean="0"/>
+            <a:endParaRPr lang="en-US" altLang="zh-CN" sz="2400" dirty="0" smtClean="0"/>
           </a:p>
           <a:p>
             <a:pPr marL="914400" lvl="2" indent="0">
@@ -18241,11 +18621,11 @@
               <a:buNone/>
             </a:pPr>
             <a:r>
-              <a:rPr lang="en-US" altLang="zh-CN" dirty="0"/>
+              <a:rPr lang="en-US" altLang="zh-CN" sz="2400" dirty="0"/>
               <a:t>f</a:t>
             </a:r>
             <a:r>
-              <a:rPr lang="en-US" altLang="zh-CN" dirty="0" smtClean="0"/>
+              <a:rPr lang="en-US" altLang="zh-CN" sz="2400" dirty="0" smtClean="0"/>
               <a:t>irst statement;</a:t>
             </a:r>
           </a:p>
@@ -18257,18 +18637,13 @@
               <a:buNone/>
             </a:pPr>
             <a:r>
-              <a:rPr lang="en-US" altLang="zh-CN" dirty="0" smtClean="0"/>
-              <a:t>Second statement;</a:t>
-            </a:r>
-          </a:p>
-          <a:p>
-            <a:pPr marL="914400" lvl="2" indent="0">
-              <a:lnSpc>
-                <a:spcPct val="90000"/>
-              </a:lnSpc>
-              <a:buNone/>
-            </a:pPr>
-            <a:endParaRPr lang="en-US" altLang="zh-CN" dirty="0" smtClean="0"/>
+              <a:rPr lang="en-US" altLang="zh-CN" sz="2400" dirty="0" smtClean="0"/>
+              <a:t>Second </a:t>
+            </a:r>
+            <a:r>
+              <a:rPr lang="en-US" altLang="zh-CN" sz="2400" dirty="0" smtClean="0"/>
+              <a:t>statement;</a:t>
+            </a:r>
           </a:p>
           <a:p>
             <a:pPr>
@@ -18277,10 +18652,10 @@
               </a:lnSpc>
             </a:pPr>
             <a:r>
-              <a:rPr lang="zh-CN" altLang="en-US" dirty="0"/>
+              <a:rPr lang="zh-CN" altLang="en-US" sz="2400" dirty="0" smtClean="0"/>
               <a:t>注释</a:t>
             </a:r>
-            <a:endParaRPr lang="en-US" altLang="zh-CN" dirty="0"/>
+            <a:endParaRPr lang="en-US" altLang="zh-CN" sz="2400" dirty="0"/>
           </a:p>
           <a:p>
             <a:pPr lvl="2">
@@ -18291,10 +18666,10 @@
               <a:buChar char="l"/>
             </a:pPr>
             <a:r>
-              <a:rPr lang="zh-CN" altLang="en-US" dirty="0" smtClean="0"/>
+              <a:rPr lang="zh-CN" altLang="en-US" sz="2400" dirty="0" smtClean="0"/>
               <a:t>单行注释</a:t>
             </a:r>
-            <a:endParaRPr lang="en-US" altLang="zh-CN" dirty="0" smtClean="0"/>
+            <a:endParaRPr lang="en-US" altLang="zh-CN" sz="2400" dirty="0" smtClean="0"/>
           </a:p>
           <a:p>
             <a:pPr marL="914400" lvl="2" indent="0">
@@ -18304,7 +18679,7 @@
               <a:buNone/>
             </a:pPr>
             <a:r>
-              <a:rPr lang="en-US" altLang="zh-CN" dirty="0" smtClean="0"/>
+              <a:rPr lang="en-US" altLang="zh-CN" sz="2400" dirty="0" smtClean="0"/>
               <a:t>	//This is a comment.</a:t>
             </a:r>
           </a:p>
@@ -18317,14 +18692,14 @@
               <a:buChar char="l"/>
             </a:pPr>
             <a:r>
-              <a:rPr lang="zh-CN" altLang="en-US" dirty="0"/>
+              <a:rPr lang="zh-CN" altLang="en-US" sz="2400" dirty="0"/>
               <a:t>多</a:t>
             </a:r>
             <a:r>
-              <a:rPr lang="zh-CN" altLang="en-US" dirty="0" smtClean="0"/>
+              <a:rPr lang="zh-CN" altLang="en-US" sz="2400" dirty="0" smtClean="0"/>
               <a:t>行注释</a:t>
             </a:r>
-            <a:endParaRPr lang="en-US" altLang="zh-CN" dirty="0"/>
+            <a:endParaRPr lang="en-US" altLang="zh-CN" sz="2400" dirty="0"/>
           </a:p>
           <a:p>
             <a:pPr marL="914400" lvl="2" indent="0">
@@ -18334,7 +18709,7 @@
               <a:buNone/>
             </a:pPr>
             <a:r>
-              <a:rPr lang="en-US" altLang="zh-CN" dirty="0" smtClean="0"/>
+              <a:rPr lang="en-US" altLang="zh-CN" sz="2400" dirty="0" smtClean="0"/>
               <a:t>	/*</a:t>
             </a:r>
           </a:p>
@@ -18346,7 +18721,7 @@
               <a:buNone/>
             </a:pPr>
             <a:r>
-              <a:rPr lang="en-US" altLang="zh-CN" dirty="0" smtClean="0"/>
+              <a:rPr lang="en-US" altLang="zh-CN" sz="2400" dirty="0" smtClean="0"/>
               <a:t>		Note to self:</a:t>
             </a:r>
           </a:p>
@@ -18358,14 +18733,14 @@
               <a:buNone/>
             </a:pPr>
             <a:r>
-              <a:rPr lang="en-US" altLang="zh-CN" dirty="0"/>
+              <a:rPr lang="en-US" altLang="zh-CN" sz="2400" dirty="0"/>
               <a:t>	</a:t>
             </a:r>
             <a:r>
-              <a:rPr lang="en-US" altLang="zh-CN" dirty="0" smtClean="0"/>
+              <a:rPr lang="en-US" altLang="zh-CN" sz="2400" dirty="0" smtClean="0"/>
               <a:t>	These are comments.</a:t>
             </a:r>
-            <a:endParaRPr lang="en-US" altLang="zh-CN" dirty="0"/>
+            <a:endParaRPr lang="en-US" altLang="zh-CN" sz="2400" dirty="0"/>
           </a:p>
           <a:p>
             <a:pPr marL="914400" lvl="2" indent="0">
@@ -18375,10 +18750,10 @@
               <a:buNone/>
             </a:pPr>
             <a:r>
-              <a:rPr lang="en-US" altLang="zh-CN" dirty="0" smtClean="0"/>
+              <a:rPr lang="en-US" altLang="zh-CN" sz="2400" dirty="0" smtClean="0"/>
               <a:t>	*/</a:t>
             </a:r>
-            <a:endParaRPr lang="en-US" altLang="zh-CN" dirty="0"/>
+            <a:endParaRPr lang="en-US" altLang="zh-CN" sz="2400" dirty="0"/>
           </a:p>
           <a:p>
             <a:pPr marL="914400" lvl="2" indent="0">
@@ -18387,14 +18762,14 @@
               </a:lnSpc>
               <a:buNone/>
             </a:pPr>
-            <a:endParaRPr lang="en-US" altLang="zh-CN" dirty="0" smtClean="0"/>
+            <a:endParaRPr lang="en-US" altLang="zh-CN" sz="2400" dirty="0" smtClean="0"/>
           </a:p>
         </p:txBody>
       </p:sp>
     </p:spTree>
     <p:extLst>
       <p:ext uri="{BB962C8B-B14F-4D97-AF65-F5344CB8AC3E}">
-        <p14:creationId xmlns="" xmlns:p14="http://schemas.microsoft.com/office/powerpoint/2010/main" val="635136375"/>
+        <p14:creationId xmlns:p14="http://schemas.microsoft.com/office/powerpoint/2010/main" xmlns="" val="635136375"/>
       </p:ext>
     </p:extLst>
   </p:cSld>
@@ -18562,11 +18937,11 @@
               <a:buChar char="l"/>
             </a:pPr>
             <a:r>
-              <a:rPr lang="en-US" altLang="zh-CN" dirty="0" err="1" smtClean="0"/>
+              <a:rPr lang="en-US" altLang="zh-CN" sz="2400" dirty="0" err="1" smtClean="0"/>
               <a:t>var</a:t>
             </a:r>
             <a:r>
-              <a:rPr lang="en-US" altLang="zh-CN" dirty="0" smtClean="0"/>
+              <a:rPr lang="en-US" altLang="zh-CN" sz="2400" dirty="0" smtClean="0"/>
               <a:t> name;</a:t>
             </a:r>
           </a:p>
@@ -18578,19 +18953,19 @@
               <a:buNone/>
             </a:pPr>
             <a:r>
-              <a:rPr lang="en-US" altLang="zh-CN" dirty="0"/>
+              <a:rPr lang="en-US" altLang="zh-CN" sz="2400" dirty="0"/>
               <a:t> </a:t>
             </a:r>
             <a:r>
-              <a:rPr lang="en-US" altLang="zh-CN" dirty="0" smtClean="0"/>
+              <a:rPr lang="en-US" altLang="zh-CN" sz="2400" dirty="0" smtClean="0"/>
               <a:t>    </a:t>
             </a:r>
             <a:r>
-              <a:rPr lang="en-US" altLang="zh-CN" dirty="0" err="1" smtClean="0"/>
+              <a:rPr lang="en-US" altLang="zh-CN" sz="2400" dirty="0" err="1" smtClean="0"/>
               <a:t>var</a:t>
             </a:r>
             <a:r>
-              <a:rPr lang="en-US" altLang="zh-CN" dirty="0" smtClean="0"/>
+              <a:rPr lang="en-US" altLang="zh-CN" sz="2400" dirty="0" smtClean="0"/>
               <a:t> age;</a:t>
             </a:r>
           </a:p>
@@ -18601,7 +18976,7 @@
               </a:lnSpc>
               <a:buNone/>
             </a:pPr>
-            <a:endParaRPr lang="en-US" altLang="zh-CN" dirty="0" smtClean="0"/>
+            <a:endParaRPr lang="en-US" altLang="zh-CN" sz="2400" dirty="0" smtClean="0"/>
           </a:p>
           <a:p>
             <a:pPr>
@@ -18612,15 +18987,15 @@
               <a:buChar char="l"/>
             </a:pPr>
             <a:r>
-              <a:rPr lang="en-US" altLang="zh-CN" dirty="0" err="1"/>
+              <a:rPr lang="en-US" altLang="zh-CN" sz="2400" dirty="0" err="1"/>
               <a:t>var</a:t>
             </a:r>
             <a:r>
-              <a:rPr lang="en-US" altLang="zh-CN" dirty="0"/>
+              <a:rPr lang="en-US" altLang="zh-CN" sz="2400" dirty="0"/>
               <a:t> name, age</a:t>
             </a:r>
             <a:r>
-              <a:rPr lang="en-US" altLang="zh-CN" dirty="0" smtClean="0"/>
+              <a:rPr lang="en-US" altLang="zh-CN" sz="2400" dirty="0" smtClean="0"/>
               <a:t>;</a:t>
             </a:r>
           </a:p>
@@ -18632,7 +19007,7 @@
               <a:buFont typeface="Wingdings" panose="05000000000000000000" pitchFamily="2" charset="2"/>
               <a:buChar char="l"/>
             </a:pPr>
-            <a:endParaRPr lang="en-US" altLang="zh-CN" dirty="0" smtClean="0"/>
+            <a:endParaRPr lang="en-US" altLang="zh-CN" sz="2400" dirty="0" smtClean="0"/>
           </a:p>
           <a:p>
             <a:pPr>
@@ -18643,27 +19018,27 @@
               <a:buChar char="l"/>
             </a:pPr>
             <a:r>
-              <a:rPr lang="en-US" altLang="zh-CN" dirty="0" err="1"/>
+              <a:rPr lang="en-US" altLang="zh-CN" sz="2400" dirty="0" err="1"/>
               <a:t>v</a:t>
             </a:r>
             <a:r>
-              <a:rPr lang="en-US" altLang="zh-CN" dirty="0" err="1" smtClean="0"/>
+              <a:rPr lang="en-US" altLang="zh-CN" sz="2400" dirty="0" err="1" smtClean="0"/>
               <a:t>ar</a:t>
             </a:r>
             <a:r>
-              <a:rPr lang="en-US" altLang="zh-CN" dirty="0" smtClean="0"/>
+              <a:rPr lang="en-US" altLang="zh-CN" sz="2400" dirty="0" smtClean="0"/>
               <a:t> name</a:t>
             </a:r>
             <a:r>
-              <a:rPr lang="en-US" altLang="zh-CN" dirty="0"/>
+              <a:rPr lang="en-US" altLang="zh-CN" sz="2400" dirty="0"/>
               <a:t>=“</a:t>
             </a:r>
             <a:r>
-              <a:rPr lang="zh-CN" altLang="en-US" dirty="0"/>
+              <a:rPr lang="zh-CN" altLang="en-US" sz="2400" dirty="0"/>
               <a:t>小明</a:t>
             </a:r>
             <a:r>
-              <a:rPr lang="en-US" altLang="zh-CN" dirty="0"/>
+              <a:rPr lang="en-US" altLang="zh-CN" sz="2400" dirty="0"/>
               <a:t>”;</a:t>
             </a:r>
           </a:p>
@@ -18675,30 +19050,30 @@
               <a:buNone/>
             </a:pPr>
             <a:r>
-              <a:rPr lang="en-US" altLang="zh-CN" dirty="0"/>
+              <a:rPr lang="en-US" altLang="zh-CN" sz="2400" dirty="0"/>
               <a:t> </a:t>
             </a:r>
             <a:r>
-              <a:rPr lang="en-US" altLang="zh-CN" dirty="0" smtClean="0"/>
+              <a:rPr lang="en-US" altLang="zh-CN" sz="2400" dirty="0" smtClean="0"/>
               <a:t>    </a:t>
             </a:r>
             <a:r>
-              <a:rPr lang="en-US" altLang="zh-CN" dirty="0" err="1" smtClean="0"/>
+              <a:rPr lang="en-US" altLang="zh-CN" sz="2400" dirty="0" err="1" smtClean="0"/>
               <a:t>var</a:t>
             </a:r>
             <a:r>
-              <a:rPr lang="en-US" altLang="zh-CN" dirty="0" smtClean="0"/>
+              <a:rPr lang="en-US" altLang="zh-CN" sz="2400" dirty="0" smtClean="0"/>
               <a:t> </a:t>
             </a:r>
             <a:r>
-              <a:rPr lang="en-US" altLang="zh-CN" dirty="0"/>
+              <a:rPr lang="en-US" altLang="zh-CN" sz="2400" dirty="0"/>
               <a:t>age=20</a:t>
             </a:r>
             <a:r>
-              <a:rPr lang="zh-CN" altLang="en-US" dirty="0"/>
+              <a:rPr lang="zh-CN" altLang="en-US" sz="2400" dirty="0"/>
               <a:t>；</a:t>
             </a:r>
-            <a:endParaRPr lang="en-US" altLang="zh-CN" dirty="0"/>
+            <a:endParaRPr lang="en-US" altLang="zh-CN" sz="2400" dirty="0"/>
           </a:p>
           <a:p>
             <a:pPr marL="0" indent="0">
@@ -18707,7 +19082,7 @@
               </a:lnSpc>
               <a:buNone/>
             </a:pPr>
-            <a:endParaRPr lang="en-US" altLang="zh-CN" dirty="0"/>
+            <a:endParaRPr lang="en-US" altLang="zh-CN" sz="2400" dirty="0"/>
           </a:p>
           <a:p>
             <a:pPr>
@@ -18718,33 +19093,33 @@
               <a:buChar char="l"/>
             </a:pPr>
             <a:r>
-              <a:rPr lang="en-US" altLang="zh-CN" dirty="0" err="1"/>
+              <a:rPr lang="en-US" altLang="zh-CN" sz="2400" dirty="0" err="1"/>
               <a:t>var</a:t>
             </a:r>
             <a:r>
-              <a:rPr lang="en-US" altLang="zh-CN" dirty="0"/>
+              <a:rPr lang="en-US" altLang="zh-CN" sz="2400" dirty="0"/>
               <a:t> name=“</a:t>
             </a:r>
             <a:r>
-              <a:rPr lang="zh-CN" altLang="en-US" dirty="0"/>
+              <a:rPr lang="zh-CN" altLang="en-US" sz="2400" dirty="0"/>
               <a:t>小明”</a:t>
             </a:r>
             <a:r>
-              <a:rPr lang="en-US" altLang="zh-CN" dirty="0"/>
+              <a:rPr lang="en-US" altLang="zh-CN" sz="2400" dirty="0"/>
               <a:t>, age=20</a:t>
             </a:r>
             <a:r>
-              <a:rPr lang="zh-CN" altLang="en-US" dirty="0"/>
+              <a:rPr lang="zh-CN" altLang="en-US" sz="2400" dirty="0"/>
               <a:t>；</a:t>
             </a:r>
-            <a:endParaRPr lang="en-US" altLang="zh-CN" dirty="0" smtClean="0"/>
+            <a:endParaRPr lang="en-US" altLang="zh-CN" sz="2400" dirty="0" smtClean="0"/>
           </a:p>
         </p:txBody>
       </p:sp>
     </p:spTree>
     <p:extLst>
       <p:ext uri="{BB962C8B-B14F-4D97-AF65-F5344CB8AC3E}">
-        <p14:creationId xmlns="" xmlns:p14="http://schemas.microsoft.com/office/powerpoint/2010/main" val="2853320730"/>
+        <p14:creationId xmlns:p14="http://schemas.microsoft.com/office/powerpoint/2010/main" xmlns="" val="2853320730"/>
       </p:ext>
     </p:extLst>
   </p:cSld>
@@ -19100,7 +19475,7 @@
   <a:extraClrSchemeLst/>
   <a:extLst>
     <a:ext uri="{05A4C25C-085E-4340-85A3-A5531E510DB2}">
-      <thm15:themeFamily xmlns="" xmlns:thm15="http://schemas.microsoft.com/office/thememl/2012/main" name="Ion" id="{B8441ADB-2E43-4AF7-B97A-BD870242C6A8}" vid="{292E63A9-BB86-4E3D-B92A-7223C6510D2E}"/>
+      <thm15:themeFamily xmlns:thm15="http://schemas.microsoft.com/office/thememl/2012/main" xmlns="" name="Ion" id="{B8441ADB-2E43-4AF7-B97A-BD870242C6A8}" vid="{292E63A9-BB86-4E3D-B92A-7223C6510D2E}"/>
     </a:ext>
   </a:extLst>
 </a:theme>
@@ -19361,7 +19736,7 @@
   <a:extraClrSchemeLst/>
   <a:extLst>
     <a:ext uri="{05A4C25C-085E-4340-85A3-A5531E510DB2}">
-      <thm15:themeFamily xmlns="" xmlns:thm15="http://schemas.microsoft.com/office/thememl/2012/main" name="Office Theme" id="{62F939B6-93AF-4DB8-9C6B-D6C7DFDC589F}" vid="{4A3C46E8-61CC-4603-A589-7422A47A8E4A}"/>
+      <thm15:themeFamily xmlns:thm15="http://schemas.microsoft.com/office/thememl/2012/main" xmlns="" name="Office Theme" id="{62F939B6-93AF-4DB8-9C6B-D6C7DFDC589F}" vid="{4A3C46E8-61CC-4603-A589-7422A47A8E4A}"/>
     </a:ext>
   </a:extLst>
 </a:theme>
